--- a/Training_ppt/mongodb class 13.pptx
+++ b/Training_ppt/mongodb class 13.pptx
@@ -9,10 +9,10 @@
     <p:sldMasterId id="2147483899" r:id="rId5"/>
   </p:sldMasterIdLst>
   <p:notesMasterIdLst>
-    <p:notesMasterId r:id="rId42"/>
+    <p:notesMasterId r:id="rId41"/>
   </p:notesMasterIdLst>
   <p:handoutMasterIdLst>
-    <p:handoutMasterId r:id="rId43"/>
+    <p:handoutMasterId r:id="rId42"/>
   </p:handoutMasterIdLst>
   <p:sldIdLst>
     <p:sldId id="534" r:id="rId6"/>
@@ -50,7 +50,6 @@
     <p:sldId id="518" r:id="rId38"/>
     <p:sldId id="526" r:id="rId39"/>
     <p:sldId id="535" r:id="rId40"/>
-    <p:sldId id="536" r:id="rId41"/>
   </p:sldIdLst>
   <p:sldSz cx="9144000" cy="6858000" type="screen4x3"/>
   <p:notesSz cx="6858000" cy="9144000"/>
@@ -290,7 +289,7 @@
             <a:fld id="{363A4C4D-59EE-2246-8A8A-BC382FE15806}" type="datetimeFigureOut">
               <a:rPr lang="en-US"/>
               <a:pPr/>
-              <a:t>8/11/2015</a:t>
+              <a:t>12/2/2018</a:t>
             </a:fld>
             <a:endParaRPr lang="en-US"/>
           </a:p>
@@ -385,7 +384,7 @@
     </p:spTree>
     <p:extLst>
       <p:ext uri="{BB962C8B-B14F-4D97-AF65-F5344CB8AC3E}">
-        <p14:creationId xmlns:p14="http://schemas.microsoft.com/office/powerpoint/2010/main" val="854809977"/>
+        <p14:creationId xmlns:p14="http://schemas.microsoft.com/office/powerpoint/2010/main" xmlns="" val="854809977"/>
       </p:ext>
     </p:extLst>
   </p:cSld>
@@ -496,7 +495,7 @@
             <a:fld id="{74EB4956-4F27-264E-B23A-67A995E5F37F}" type="datetimeFigureOut">
               <a:rPr lang="en-US"/>
               <a:pPr/>
-              <a:t>8/11/2015</a:t>
+              <a:t>12/2/2018</a:t>
             </a:fld>
             <a:endParaRPr lang="en-US"/>
           </a:p>
@@ -685,7 +684,7 @@
     </p:spTree>
     <p:extLst>
       <p:ext uri="{BB962C8B-B14F-4D97-AF65-F5344CB8AC3E}">
-        <p14:creationId xmlns:p14="http://schemas.microsoft.com/office/powerpoint/2010/main" val="2248946852"/>
+        <p14:creationId xmlns:p14="http://schemas.microsoft.com/office/powerpoint/2010/main" xmlns="" val="2248946852"/>
       </p:ext>
     </p:extLst>
   </p:cSld>
@@ -981,7 +980,7 @@
     </p:spTree>
     <p:extLst>
       <p:ext uri="{BB962C8B-B14F-4D97-AF65-F5344CB8AC3E}">
-        <p14:creationId xmlns:p14="http://schemas.microsoft.com/office/powerpoint/2010/main" val="4156651392"/>
+        <p14:creationId xmlns:p14="http://schemas.microsoft.com/office/powerpoint/2010/main" xmlns="" val="4156651392"/>
       </p:ext>
     </p:extLst>
   </p:cSld>
@@ -1066,7 +1065,7 @@
     </p:spTree>
     <p:extLst>
       <p:ext uri="{BB962C8B-B14F-4D97-AF65-F5344CB8AC3E}">
-        <p14:creationId xmlns:p14="http://schemas.microsoft.com/office/powerpoint/2010/main" val="2866238933"/>
+        <p14:creationId xmlns:p14="http://schemas.microsoft.com/office/powerpoint/2010/main" xmlns="" val="2866238933"/>
       </p:ext>
     </p:extLst>
   </p:cSld>
@@ -1151,7 +1150,7 @@
     </p:spTree>
     <p:extLst>
       <p:ext uri="{BB962C8B-B14F-4D97-AF65-F5344CB8AC3E}">
-        <p14:creationId xmlns:p14="http://schemas.microsoft.com/office/powerpoint/2010/main" val="1660681140"/>
+        <p14:creationId xmlns:p14="http://schemas.microsoft.com/office/powerpoint/2010/main" xmlns="" val="1660681140"/>
       </p:ext>
     </p:extLst>
   </p:cSld>
@@ -1236,7 +1235,7 @@
     </p:spTree>
     <p:extLst>
       <p:ext uri="{BB962C8B-B14F-4D97-AF65-F5344CB8AC3E}">
-        <p14:creationId xmlns:p14="http://schemas.microsoft.com/office/powerpoint/2010/main" val="2940299647"/>
+        <p14:creationId xmlns:p14="http://schemas.microsoft.com/office/powerpoint/2010/main" xmlns="" val="2940299647"/>
       </p:ext>
     </p:extLst>
   </p:cSld>
@@ -1321,7 +1320,7 @@
     </p:spTree>
     <p:extLst>
       <p:ext uri="{BB962C8B-B14F-4D97-AF65-F5344CB8AC3E}">
-        <p14:creationId xmlns:p14="http://schemas.microsoft.com/office/powerpoint/2010/main" val="2940299647"/>
+        <p14:creationId xmlns:p14="http://schemas.microsoft.com/office/powerpoint/2010/main" xmlns="" val="2940299647"/>
       </p:ext>
     </p:extLst>
   </p:cSld>
@@ -1404,6 +1403,7 @@
           <a:p>
             <a:fld id="{C03BD989-EB36-C14F-BA7F-4739F7F25906}" type="slidenum">
               <a:rPr lang="en-US" smtClean="0"/>
+              <a:pPr/>
               <a:t>27</a:t>
             </a:fld>
             <a:endParaRPr lang="en-US"/>
@@ -1413,7 +1413,7 @@
     </p:spTree>
     <p:extLst>
       <p:ext uri="{BB962C8B-B14F-4D97-AF65-F5344CB8AC3E}">
-        <p14:creationId xmlns:p14="http://schemas.microsoft.com/office/powerpoint/2010/main" val="3337977477"/>
+        <p14:creationId xmlns:p14="http://schemas.microsoft.com/office/powerpoint/2010/main" xmlns="" val="3337977477"/>
       </p:ext>
     </p:extLst>
   </p:cSld>
@@ -1498,7 +1498,7 @@
     </p:spTree>
     <p:extLst>
       <p:ext uri="{BB962C8B-B14F-4D97-AF65-F5344CB8AC3E}">
-        <p14:creationId xmlns:p14="http://schemas.microsoft.com/office/powerpoint/2010/main" val="2498584135"/>
+        <p14:creationId xmlns:p14="http://schemas.microsoft.com/office/powerpoint/2010/main" xmlns="" val="2498584135"/>
       </p:ext>
     </p:extLst>
   </p:cSld>
@@ -1589,7 +1589,7 @@
     </p:spTree>
     <p:extLst>
       <p:ext uri="{BB962C8B-B14F-4D97-AF65-F5344CB8AC3E}">
-        <p14:creationId xmlns:p14="http://schemas.microsoft.com/office/powerpoint/2010/main" val="1104810335"/>
+        <p14:creationId xmlns:p14="http://schemas.microsoft.com/office/powerpoint/2010/main" xmlns="" val="1104810335"/>
       </p:ext>
     </p:extLst>
   </p:cSld>
@@ -1619,7 +1619,7 @@
     </p:spTree>
     <p:extLst>
       <p:ext uri="{BB962C8B-B14F-4D97-AF65-F5344CB8AC3E}">
-        <p14:creationId xmlns:p14="http://schemas.microsoft.com/office/powerpoint/2010/main" val="4032902634"/>
+        <p14:creationId xmlns:p14="http://schemas.microsoft.com/office/powerpoint/2010/main" xmlns="" val="4032902634"/>
       </p:ext>
     </p:extLst>
   </p:cSld>
@@ -1705,7 +1705,7 @@
           <a:blip r:embed="rId2">
             <a:extLst>
               <a:ext uri="{28A0092B-C50C-407E-A947-70E740481C1C}">
-                <a14:useLocalDpi xmlns:a14="http://schemas.microsoft.com/office/drawing/2010/main" val="0"/>
+                <a14:useLocalDpi xmlns:a14="http://schemas.microsoft.com/office/drawing/2010/main" xmlns="" val="0"/>
               </a:ext>
             </a:extLst>
           </a:blip>
@@ -1770,7 +1770,7 @@
     </p:spTree>
     <p:extLst>
       <p:ext uri="{BB962C8B-B14F-4D97-AF65-F5344CB8AC3E}">
-        <p14:creationId xmlns:p14="http://schemas.microsoft.com/office/powerpoint/2010/main" val="3007450244"/>
+        <p14:creationId xmlns:p14="http://schemas.microsoft.com/office/powerpoint/2010/main" xmlns="" val="3007450244"/>
       </p:ext>
     </p:extLst>
   </p:cSld>
@@ -1844,7 +1844,7 @@
     </p:spTree>
     <p:extLst>
       <p:ext uri="{BB962C8B-B14F-4D97-AF65-F5344CB8AC3E}">
-        <p14:creationId xmlns:p14="http://schemas.microsoft.com/office/powerpoint/2010/main" val="2062897114"/>
+        <p14:creationId xmlns:p14="http://schemas.microsoft.com/office/powerpoint/2010/main" xmlns="" val="2062897114"/>
       </p:ext>
     </p:extLst>
   </p:cSld>
@@ -1874,7 +1874,7 @@
     </p:spTree>
     <p:extLst>
       <p:ext uri="{BB962C8B-B14F-4D97-AF65-F5344CB8AC3E}">
-        <p14:creationId xmlns:p14="http://schemas.microsoft.com/office/powerpoint/2010/main" val="3154727345"/>
+        <p14:creationId xmlns:p14="http://schemas.microsoft.com/office/powerpoint/2010/main" xmlns="" val="3154727345"/>
       </p:ext>
     </p:extLst>
   </p:cSld>
@@ -2007,7 +2007,7 @@
           <a:blip r:embed="rId2">
             <a:extLst>
               <a:ext uri="{28A0092B-C50C-407E-A947-70E740481C1C}">
-                <a14:useLocalDpi xmlns:a14="http://schemas.microsoft.com/office/drawing/2010/main" val="0"/>
+                <a14:useLocalDpi xmlns:a14="http://schemas.microsoft.com/office/drawing/2010/main" xmlns="" val="0"/>
               </a:ext>
             </a:extLst>
           </a:blip>
@@ -2113,7 +2113,7 @@
     </p:spTree>
     <p:extLst>
       <p:ext uri="{BB962C8B-B14F-4D97-AF65-F5344CB8AC3E}">
-        <p14:creationId xmlns:p14="http://schemas.microsoft.com/office/powerpoint/2010/main" val="3849848588"/>
+        <p14:creationId xmlns:p14="http://schemas.microsoft.com/office/powerpoint/2010/main" xmlns="" val="3849848588"/>
       </p:ext>
     </p:extLst>
   </p:cSld>
@@ -2212,7 +2212,7 @@
     </p:spTree>
     <p:extLst>
       <p:ext uri="{BB962C8B-B14F-4D97-AF65-F5344CB8AC3E}">
-        <p14:creationId xmlns:p14="http://schemas.microsoft.com/office/powerpoint/2010/main" val="3981101098"/>
+        <p14:creationId xmlns:p14="http://schemas.microsoft.com/office/powerpoint/2010/main" xmlns="" val="3981101098"/>
       </p:ext>
     </p:extLst>
   </p:cSld>
@@ -2424,7 +2424,7 @@
           <a:blip r:embed="rId2">
             <a:extLst>
               <a:ext uri="{28A0092B-C50C-407E-A947-70E740481C1C}">
-                <a14:useLocalDpi xmlns:a14="http://schemas.microsoft.com/office/drawing/2010/main" val="0"/>
+                <a14:useLocalDpi xmlns:a14="http://schemas.microsoft.com/office/drawing/2010/main" xmlns="" val="0"/>
               </a:ext>
             </a:extLst>
           </a:blip>
@@ -2445,7 +2445,7 @@
     </p:spTree>
     <p:extLst>
       <p:ext uri="{BB962C8B-B14F-4D97-AF65-F5344CB8AC3E}">
-        <p14:creationId xmlns:p14="http://schemas.microsoft.com/office/powerpoint/2010/main" val="1362952649"/>
+        <p14:creationId xmlns:p14="http://schemas.microsoft.com/office/powerpoint/2010/main" xmlns="" val="1362952649"/>
       </p:ext>
     </p:extLst>
   </p:cSld>
@@ -2733,7 +2733,7 @@
     </p:spTree>
     <p:extLst>
       <p:ext uri="{BB962C8B-B14F-4D97-AF65-F5344CB8AC3E}">
-        <p14:creationId xmlns:p14="http://schemas.microsoft.com/office/powerpoint/2010/main" val="4057680718"/>
+        <p14:creationId xmlns:p14="http://schemas.microsoft.com/office/powerpoint/2010/main" xmlns="" val="4057680718"/>
       </p:ext>
     </p:extLst>
   </p:cSld>
@@ -2936,7 +2936,7 @@
     </p:spTree>
     <p:extLst>
       <p:ext uri="{BB962C8B-B14F-4D97-AF65-F5344CB8AC3E}">
-        <p14:creationId xmlns:p14="http://schemas.microsoft.com/office/powerpoint/2010/main" val="1777491088"/>
+        <p14:creationId xmlns:p14="http://schemas.microsoft.com/office/powerpoint/2010/main" xmlns="" val="1777491088"/>
       </p:ext>
     </p:extLst>
   </p:cSld>
@@ -3215,7 +3215,7 @@
     </p:spTree>
     <p:extLst>
       <p:ext uri="{BB962C8B-B14F-4D97-AF65-F5344CB8AC3E}">
-        <p14:creationId xmlns:p14="http://schemas.microsoft.com/office/powerpoint/2010/main" val="2140090503"/>
+        <p14:creationId xmlns:p14="http://schemas.microsoft.com/office/powerpoint/2010/main" xmlns="" val="2140090503"/>
       </p:ext>
     </p:extLst>
   </p:cSld>
@@ -3276,7 +3276,7 @@
     </p:spTree>
     <p:extLst>
       <p:ext uri="{BB962C8B-B14F-4D97-AF65-F5344CB8AC3E}">
-        <p14:creationId xmlns:p14="http://schemas.microsoft.com/office/powerpoint/2010/main" val="646295029"/>
+        <p14:creationId xmlns:p14="http://schemas.microsoft.com/office/powerpoint/2010/main" xmlns="" val="646295029"/>
       </p:ext>
     </p:extLst>
   </p:cSld>
@@ -3597,7 +3597,7 @@
     </p:spTree>
     <p:extLst>
       <p:ext uri="{BB962C8B-B14F-4D97-AF65-F5344CB8AC3E}">
-        <p14:creationId xmlns:p14="http://schemas.microsoft.com/office/powerpoint/2010/main" val="2379528955"/>
+        <p14:creationId xmlns:p14="http://schemas.microsoft.com/office/powerpoint/2010/main" xmlns="" val="2379528955"/>
       </p:ext>
     </p:extLst>
   </p:cSld>
@@ -4064,7 +4064,7 @@
     </p:spTree>
     <p:extLst>
       <p:ext uri="{BB962C8B-B14F-4D97-AF65-F5344CB8AC3E}">
-        <p14:creationId xmlns:p14="http://schemas.microsoft.com/office/powerpoint/2010/main" val="138225237"/>
+        <p14:creationId xmlns:p14="http://schemas.microsoft.com/office/powerpoint/2010/main" xmlns="" val="138225237"/>
       </p:ext>
     </p:extLst>
   </p:cSld>
@@ -4215,7 +4215,7 @@
     </p:spTree>
     <p:extLst>
       <p:ext uri="{BB962C8B-B14F-4D97-AF65-F5344CB8AC3E}">
-        <p14:creationId xmlns:p14="http://schemas.microsoft.com/office/powerpoint/2010/main" val="1167574683"/>
+        <p14:creationId xmlns:p14="http://schemas.microsoft.com/office/powerpoint/2010/main" xmlns="" val="1167574683"/>
       </p:ext>
     </p:extLst>
   </p:cSld>
@@ -4343,7 +4343,7 @@
     </p:spTree>
     <p:extLst>
       <p:ext uri="{BB962C8B-B14F-4D97-AF65-F5344CB8AC3E}">
-        <p14:creationId xmlns:p14="http://schemas.microsoft.com/office/powerpoint/2010/main" val="2934307910"/>
+        <p14:creationId xmlns:p14="http://schemas.microsoft.com/office/powerpoint/2010/main" xmlns="" val="2934307910"/>
       </p:ext>
     </p:extLst>
   </p:cSld>
@@ -4627,7 +4627,7 @@
     </p:spTree>
     <p:extLst>
       <p:ext uri="{BB962C8B-B14F-4D97-AF65-F5344CB8AC3E}">
-        <p14:creationId xmlns:p14="http://schemas.microsoft.com/office/powerpoint/2010/main" val="2440437701"/>
+        <p14:creationId xmlns:p14="http://schemas.microsoft.com/office/powerpoint/2010/main" xmlns="" val="2440437701"/>
       </p:ext>
     </p:extLst>
   </p:cSld>
@@ -4929,7 +4929,7 @@
     </p:spTree>
     <p:extLst>
       <p:ext uri="{BB962C8B-B14F-4D97-AF65-F5344CB8AC3E}">
-        <p14:creationId xmlns:p14="http://schemas.microsoft.com/office/powerpoint/2010/main" val="441703893"/>
+        <p14:creationId xmlns:p14="http://schemas.microsoft.com/office/powerpoint/2010/main" xmlns="" val="441703893"/>
       </p:ext>
     </p:extLst>
   </p:cSld>
@@ -5132,7 +5132,7 @@
     </p:spTree>
     <p:extLst>
       <p:ext uri="{BB962C8B-B14F-4D97-AF65-F5344CB8AC3E}">
-        <p14:creationId xmlns:p14="http://schemas.microsoft.com/office/powerpoint/2010/main" val="3387397092"/>
+        <p14:creationId xmlns:p14="http://schemas.microsoft.com/office/powerpoint/2010/main" xmlns="" val="3387397092"/>
       </p:ext>
     </p:extLst>
   </p:cSld>
@@ -5345,7 +5345,7 @@
     </p:spTree>
     <p:extLst>
       <p:ext uri="{BB962C8B-B14F-4D97-AF65-F5344CB8AC3E}">
-        <p14:creationId xmlns:p14="http://schemas.microsoft.com/office/powerpoint/2010/main" val="2480433108"/>
+        <p14:creationId xmlns:p14="http://schemas.microsoft.com/office/powerpoint/2010/main" xmlns="" val="2480433108"/>
       </p:ext>
     </p:extLst>
   </p:cSld>
@@ -5475,7 +5475,7 @@
           <a:blip r:embed="rId2">
             <a:extLst>
               <a:ext uri="{28A0092B-C50C-407E-A947-70E740481C1C}">
-                <a14:useLocalDpi xmlns:a14="http://schemas.microsoft.com/office/drawing/2010/main" val="0"/>
+                <a14:useLocalDpi xmlns:a14="http://schemas.microsoft.com/office/drawing/2010/main" xmlns="" val="0"/>
               </a:ext>
             </a:extLst>
           </a:blip>
@@ -5581,7 +5581,7 @@
     </p:spTree>
     <p:extLst>
       <p:ext uri="{BB962C8B-B14F-4D97-AF65-F5344CB8AC3E}">
-        <p14:creationId xmlns:p14="http://schemas.microsoft.com/office/powerpoint/2010/main" val="2727688691"/>
+        <p14:creationId xmlns:p14="http://schemas.microsoft.com/office/powerpoint/2010/main" xmlns="" val="2727688691"/>
       </p:ext>
     </p:extLst>
   </p:cSld>
@@ -5655,7 +5655,7 @@
     </p:spTree>
     <p:extLst>
       <p:ext uri="{BB962C8B-B14F-4D97-AF65-F5344CB8AC3E}">
-        <p14:creationId xmlns:p14="http://schemas.microsoft.com/office/powerpoint/2010/main" val="2488184234"/>
+        <p14:creationId xmlns:p14="http://schemas.microsoft.com/office/powerpoint/2010/main" xmlns="" val="2488184234"/>
       </p:ext>
     </p:extLst>
   </p:cSld>
@@ -5746,7 +5746,7 @@
     </p:spTree>
     <p:extLst>
       <p:ext uri="{BB962C8B-B14F-4D97-AF65-F5344CB8AC3E}">
-        <p14:creationId xmlns:p14="http://schemas.microsoft.com/office/powerpoint/2010/main" val="3164487205"/>
+        <p14:creationId xmlns:p14="http://schemas.microsoft.com/office/powerpoint/2010/main" xmlns="" val="3164487205"/>
       </p:ext>
     </p:extLst>
   </p:cSld>
@@ -5807,7 +5807,7 @@
     </p:spTree>
     <p:extLst>
       <p:ext uri="{BB962C8B-B14F-4D97-AF65-F5344CB8AC3E}">
-        <p14:creationId xmlns:p14="http://schemas.microsoft.com/office/powerpoint/2010/main" val="773578546"/>
+        <p14:creationId xmlns:p14="http://schemas.microsoft.com/office/powerpoint/2010/main" xmlns="" val="773578546"/>
       </p:ext>
     </p:extLst>
   </p:cSld>
@@ -5882,7 +5882,7 @@
     </p:spTree>
     <p:extLst>
       <p:ext uri="{BB962C8B-B14F-4D97-AF65-F5344CB8AC3E}">
-        <p14:creationId xmlns:p14="http://schemas.microsoft.com/office/powerpoint/2010/main" val="2183272591"/>
+        <p14:creationId xmlns:p14="http://schemas.microsoft.com/office/powerpoint/2010/main" xmlns="" val="2183272591"/>
       </p:ext>
     </p:extLst>
   </p:cSld>
@@ -5956,7 +5956,7 @@
     </p:spTree>
     <p:extLst>
       <p:ext uri="{BB962C8B-B14F-4D97-AF65-F5344CB8AC3E}">
-        <p14:creationId xmlns:p14="http://schemas.microsoft.com/office/powerpoint/2010/main" val="3617921409"/>
+        <p14:creationId xmlns:p14="http://schemas.microsoft.com/office/powerpoint/2010/main" xmlns="" val="3617921409"/>
       </p:ext>
     </p:extLst>
   </p:cSld>
@@ -6017,7 +6017,7 @@
     </p:spTree>
     <p:extLst>
       <p:ext uri="{BB962C8B-B14F-4D97-AF65-F5344CB8AC3E}">
-        <p14:creationId xmlns:p14="http://schemas.microsoft.com/office/powerpoint/2010/main" val="275284788"/>
+        <p14:creationId xmlns:p14="http://schemas.microsoft.com/office/powerpoint/2010/main" xmlns="" val="275284788"/>
       </p:ext>
     </p:extLst>
   </p:cSld>
@@ -6073,14 +6073,14 @@
           </a:ln>
           <a:extLst>
             <a:ext uri="{909E8E84-426E-40DD-AFC4-6F175D3DCCD1}">
-              <a14:hiddenFill xmlns:a14="http://schemas.microsoft.com/office/drawing/2010/main">
+              <a14:hiddenFill xmlns:a14="http://schemas.microsoft.com/office/drawing/2010/main" xmlns="">
                 <a:solidFill>
                   <a:srgbClr val="FFFFFF"/>
                 </a:solidFill>
               </a14:hiddenFill>
             </a:ext>
             <a:ext uri="{91240B29-F687-4F45-9708-019B960494DF}">
-              <a14:hiddenLine xmlns:a14="http://schemas.microsoft.com/office/drawing/2010/main" w="9525">
+              <a14:hiddenLine xmlns:a14="http://schemas.microsoft.com/office/drawing/2010/main" xmlns="" w="9525">
                 <a:solidFill>
                   <a:srgbClr val="000000"/>
                 </a:solidFill>
@@ -6090,7 +6090,7 @@
               </a14:hiddenLine>
             </a:ext>
             <a:ext uri="{FAA26D3D-D897-4be2-8F04-BA451C77F1D7}">
-              <ma14:placeholderFlag xmlns:ma14="http://schemas.microsoft.com/office/mac/drawingml/2011/main" xmlns="" val="1"/>
+              <ma14:placeholderFlag xmlns="" xmlns:ma14="http://schemas.microsoft.com/office/mac/drawingml/2011/main" val="1"/>
             </a:ext>
           </a:extLst>
         </p:spPr>
@@ -6256,14 +6256,14 @@
           </a:ln>
           <a:extLst>
             <a:ext uri="{909E8E84-426E-40DD-AFC4-6F175D3DCCD1}">
-              <a14:hiddenFill xmlns:a14="http://schemas.microsoft.com/office/drawing/2010/main">
+              <a14:hiddenFill xmlns:a14="http://schemas.microsoft.com/office/drawing/2010/main" xmlns="">
                 <a:solidFill>
                   <a:srgbClr val="FFFFFF"/>
                 </a:solidFill>
               </a14:hiddenFill>
             </a:ext>
             <a:ext uri="{91240B29-F687-4F45-9708-019B960494DF}">
-              <a14:hiddenLine xmlns:a14="http://schemas.microsoft.com/office/drawing/2010/main" w="9525">
+              <a14:hiddenLine xmlns:a14="http://schemas.microsoft.com/office/drawing/2010/main" xmlns="" w="9525">
                 <a:solidFill>
                   <a:srgbClr val="000000"/>
                 </a:solidFill>
@@ -6894,14 +6894,14 @@
           </a:ln>
           <a:extLst>
             <a:ext uri="{909E8E84-426E-40DD-AFC4-6F175D3DCCD1}">
-              <a14:hiddenFill xmlns:a14="http://schemas.microsoft.com/office/drawing/2010/main">
+              <a14:hiddenFill xmlns:a14="http://schemas.microsoft.com/office/drawing/2010/main" xmlns="">
                 <a:solidFill>
                   <a:srgbClr val="FFFFFF"/>
                 </a:solidFill>
               </a14:hiddenFill>
             </a:ext>
             <a:ext uri="{91240B29-F687-4F45-9708-019B960494DF}">
-              <a14:hiddenLine xmlns:a14="http://schemas.microsoft.com/office/drawing/2010/main" w="9525">
+              <a14:hiddenLine xmlns:a14="http://schemas.microsoft.com/office/drawing/2010/main" xmlns="" w="9525">
                 <a:solidFill>
                   <a:srgbClr val="000000"/>
                 </a:solidFill>
@@ -6911,7 +6911,7 @@
               </a14:hiddenLine>
             </a:ext>
             <a:ext uri="{FAA26D3D-D897-4be2-8F04-BA451C77F1D7}">
-              <ma14:placeholderFlag xmlns:ma14="http://schemas.microsoft.com/office/mac/drawingml/2011/main" xmlns="" val="1"/>
+              <ma14:placeholderFlag xmlns="" xmlns:ma14="http://schemas.microsoft.com/office/mac/drawingml/2011/main" val="1"/>
             </a:ext>
           </a:extLst>
         </p:spPr>
@@ -7077,14 +7077,14 @@
           </a:ln>
           <a:extLst>
             <a:ext uri="{909E8E84-426E-40DD-AFC4-6F175D3DCCD1}">
-              <a14:hiddenFill xmlns:a14="http://schemas.microsoft.com/office/drawing/2010/main">
+              <a14:hiddenFill xmlns:a14="http://schemas.microsoft.com/office/drawing/2010/main" xmlns="">
                 <a:solidFill>
                   <a:srgbClr val="FFFFFF"/>
                 </a:solidFill>
               </a14:hiddenFill>
             </a:ext>
             <a:ext uri="{91240B29-F687-4F45-9708-019B960494DF}">
-              <a14:hiddenLine xmlns:a14="http://schemas.microsoft.com/office/drawing/2010/main" w="9525">
+              <a14:hiddenLine xmlns:a14="http://schemas.microsoft.com/office/drawing/2010/main" xmlns="" w="9525">
                 <a:solidFill>
                   <a:srgbClr val="000000"/>
                 </a:solidFill>
@@ -7265,7 +7265,7 @@
     </p:spTree>
     <p:extLst>
       <p:ext uri="{BB962C8B-B14F-4D97-AF65-F5344CB8AC3E}">
-        <p14:creationId xmlns:p14="http://schemas.microsoft.com/office/powerpoint/2010/main" val="2698656889"/>
+        <p14:creationId xmlns:p14="http://schemas.microsoft.com/office/powerpoint/2010/main" xmlns="" val="2698656889"/>
       </p:ext>
     </p:extLst>
   </p:cSld>
@@ -7720,14 +7720,14 @@
           </a:ln>
           <a:extLst>
             <a:ext uri="{909E8E84-426E-40DD-AFC4-6F175D3DCCD1}">
-              <a14:hiddenFill xmlns:a14="http://schemas.microsoft.com/office/drawing/2010/main">
+              <a14:hiddenFill xmlns:a14="http://schemas.microsoft.com/office/drawing/2010/main" xmlns="">
                 <a:solidFill>
                   <a:srgbClr val="FFFFFF"/>
                 </a:solidFill>
               </a14:hiddenFill>
             </a:ext>
             <a:ext uri="{91240B29-F687-4F45-9708-019B960494DF}">
-              <a14:hiddenLine xmlns:a14="http://schemas.microsoft.com/office/drawing/2010/main" w="9525">
+              <a14:hiddenLine xmlns:a14="http://schemas.microsoft.com/office/drawing/2010/main" xmlns="" w="9525">
                 <a:solidFill>
                   <a:srgbClr val="000000"/>
                 </a:solidFill>
@@ -7737,7 +7737,7 @@
               </a14:hiddenLine>
             </a:ext>
             <a:ext uri="{FAA26D3D-D897-4be2-8F04-BA451C77F1D7}">
-              <ma14:placeholderFlag xmlns:ma14="http://schemas.microsoft.com/office/mac/drawingml/2011/main" xmlns="" val="1"/>
+              <ma14:placeholderFlag xmlns="" xmlns:ma14="http://schemas.microsoft.com/office/mac/drawingml/2011/main" val="1"/>
             </a:ext>
           </a:extLst>
         </p:spPr>
@@ -8702,14 +8702,14 @@
           </a:ln>
           <a:extLst>
             <a:ext uri="{909E8E84-426E-40DD-AFC4-6F175D3DCCD1}">
-              <a14:hiddenFill xmlns:a14="http://schemas.microsoft.com/office/drawing/2010/main">
+              <a14:hiddenFill xmlns:a14="http://schemas.microsoft.com/office/drawing/2010/main" xmlns="">
                 <a:solidFill>
                   <a:srgbClr val="FFFFFF"/>
                 </a:solidFill>
               </a14:hiddenFill>
             </a:ext>
             <a:ext uri="{91240B29-F687-4F45-9708-019B960494DF}">
-              <a14:hiddenLine xmlns:a14="http://schemas.microsoft.com/office/drawing/2010/main" w="9525">
+              <a14:hiddenLine xmlns:a14="http://schemas.microsoft.com/office/drawing/2010/main" xmlns="" w="9525">
                 <a:solidFill>
                   <a:srgbClr val="000000"/>
                 </a:solidFill>
@@ -9036,7 +9036,7 @@
     </p:spTree>
     <p:extLst>
       <p:ext uri="{BB962C8B-B14F-4D97-AF65-F5344CB8AC3E}">
-        <p14:creationId xmlns:p14="http://schemas.microsoft.com/office/powerpoint/2010/main" val="3979338191"/>
+        <p14:creationId xmlns:p14="http://schemas.microsoft.com/office/powerpoint/2010/main" xmlns="" val="3979338191"/>
       </p:ext>
     </p:extLst>
   </p:cSld>
@@ -9493,7 +9493,7 @@
           <a:blip r:embed="rId2">
             <a:extLst>
               <a:ext uri="{28A0092B-C50C-407E-A947-70E740481C1C}">
-                <a14:useLocalDpi xmlns:a14="http://schemas.microsoft.com/office/drawing/2010/main" val="0"/>
+                <a14:useLocalDpi xmlns:a14="http://schemas.microsoft.com/office/drawing/2010/main" xmlns="" val="0"/>
               </a:ext>
             </a:extLst>
           </a:blip>
@@ -9516,14 +9516,14 @@
           </a:ln>
           <a:extLst>
             <a:ext uri="{909E8E84-426E-40DD-AFC4-6F175D3DCCD1}">
-              <a14:hiddenFill xmlns:a14="http://schemas.microsoft.com/office/drawing/2010/main">
+              <a14:hiddenFill xmlns:a14="http://schemas.microsoft.com/office/drawing/2010/main" xmlns="">
                 <a:solidFill>
                   <a:srgbClr val="FFFFFF"/>
                 </a:solidFill>
               </a14:hiddenFill>
             </a:ext>
             <a:ext uri="{91240B29-F687-4F45-9708-019B960494DF}">
-              <a14:hiddenLine xmlns:a14="http://schemas.microsoft.com/office/drawing/2010/main" w="9525">
+              <a14:hiddenLine xmlns:a14="http://schemas.microsoft.com/office/drawing/2010/main" xmlns="" w="9525">
                 <a:solidFill>
                   <a:srgbClr val="000000"/>
                 </a:solidFill>
@@ -9588,7 +9588,7 @@
           <a:blip r:embed="rId3">
             <a:extLst>
               <a:ext uri="{28A0092B-C50C-407E-A947-70E740481C1C}">
-                <a14:useLocalDpi xmlns:a14="http://schemas.microsoft.com/office/drawing/2010/main" val="0"/>
+                <a14:useLocalDpi xmlns:a14="http://schemas.microsoft.com/office/drawing/2010/main" xmlns="" val="0"/>
               </a:ext>
             </a:extLst>
           </a:blip>
@@ -9611,14 +9611,14 @@
           </a:ln>
           <a:extLst>
             <a:ext uri="{909E8E84-426E-40DD-AFC4-6F175D3DCCD1}">
-              <a14:hiddenFill xmlns:a14="http://schemas.microsoft.com/office/drawing/2010/main">
+              <a14:hiddenFill xmlns:a14="http://schemas.microsoft.com/office/drawing/2010/main" xmlns="">
                 <a:solidFill>
                   <a:srgbClr val="FFFFFF"/>
                 </a:solidFill>
               </a14:hiddenFill>
             </a:ext>
             <a:ext uri="{91240B29-F687-4F45-9708-019B960494DF}">
-              <a14:hiddenLine xmlns:a14="http://schemas.microsoft.com/office/drawing/2010/main" w="9525">
+              <a14:hiddenLine xmlns:a14="http://schemas.microsoft.com/office/drawing/2010/main" xmlns="" w="9525">
                 <a:solidFill>
                   <a:srgbClr val="000000"/>
                 </a:solidFill>
@@ -9642,7 +9642,7 @@
           <a:blip r:embed="rId4">
             <a:extLst>
               <a:ext uri="{28A0092B-C50C-407E-A947-70E740481C1C}">
-                <a14:useLocalDpi xmlns:a14="http://schemas.microsoft.com/office/drawing/2010/main" val="0"/>
+                <a14:useLocalDpi xmlns:a14="http://schemas.microsoft.com/office/drawing/2010/main" xmlns="" val="0"/>
               </a:ext>
             </a:extLst>
           </a:blip>
@@ -9665,14 +9665,14 @@
           </a:ln>
           <a:extLst>
             <a:ext uri="{909E8E84-426E-40DD-AFC4-6F175D3DCCD1}">
-              <a14:hiddenFill xmlns:a14="http://schemas.microsoft.com/office/drawing/2010/main">
+              <a14:hiddenFill xmlns:a14="http://schemas.microsoft.com/office/drawing/2010/main" xmlns="">
                 <a:solidFill>
                   <a:srgbClr val="FFFFFF"/>
                 </a:solidFill>
               </a14:hiddenFill>
             </a:ext>
             <a:ext uri="{91240B29-F687-4F45-9708-019B960494DF}">
-              <a14:hiddenLine xmlns:a14="http://schemas.microsoft.com/office/drawing/2010/main" w="9525">
+              <a14:hiddenLine xmlns:a14="http://schemas.microsoft.com/office/drawing/2010/main" xmlns="" w="9525">
                 <a:solidFill>
                   <a:srgbClr val="000000"/>
                 </a:solidFill>
@@ -9687,7 +9687,7 @@
     </p:spTree>
     <p:extLst>
       <p:ext uri="{BB962C8B-B14F-4D97-AF65-F5344CB8AC3E}">
-        <p14:creationId xmlns:p14="http://schemas.microsoft.com/office/powerpoint/2010/main" val="1014835198"/>
+        <p14:creationId xmlns:p14="http://schemas.microsoft.com/office/powerpoint/2010/main" xmlns="" val="1014835198"/>
       </p:ext>
     </p:extLst>
   </p:cSld>
@@ -10007,7 +10007,7 @@
     </p:spTree>
     <p:extLst>
       <p:ext uri="{BB962C8B-B14F-4D97-AF65-F5344CB8AC3E}">
-        <p14:creationId xmlns:p14="http://schemas.microsoft.com/office/powerpoint/2010/main" val="2829653112"/>
+        <p14:creationId xmlns:p14="http://schemas.microsoft.com/office/powerpoint/2010/main" xmlns="" val="2829653112"/>
       </p:ext>
     </p:extLst>
   </p:cSld>
@@ -10067,7 +10067,7 @@
     </p:spTree>
     <p:extLst>
       <p:ext uri="{BB962C8B-B14F-4D97-AF65-F5344CB8AC3E}">
-        <p14:creationId xmlns:p14="http://schemas.microsoft.com/office/powerpoint/2010/main" val="3869875020"/>
+        <p14:creationId xmlns:p14="http://schemas.microsoft.com/office/powerpoint/2010/main" xmlns="" val="3869875020"/>
       </p:ext>
     </p:extLst>
   </p:cSld>
@@ -10158,7 +10158,7 @@
     </p:spTree>
     <p:extLst>
       <p:ext uri="{BB962C8B-B14F-4D97-AF65-F5344CB8AC3E}">
-        <p14:creationId xmlns:p14="http://schemas.microsoft.com/office/powerpoint/2010/main" val="1908636187"/>
+        <p14:creationId xmlns:p14="http://schemas.microsoft.com/office/powerpoint/2010/main" xmlns="" val="1908636187"/>
       </p:ext>
     </p:extLst>
   </p:cSld>
@@ -10347,7 +10347,7 @@
     </p:spTree>
     <p:extLst>
       <p:ext uri="{BB962C8B-B14F-4D97-AF65-F5344CB8AC3E}">
-        <p14:creationId xmlns:p14="http://schemas.microsoft.com/office/powerpoint/2010/main" val="1124387869"/>
+        <p14:creationId xmlns:p14="http://schemas.microsoft.com/office/powerpoint/2010/main" xmlns="" val="1124387869"/>
       </p:ext>
     </p:extLst>
   </p:cSld>
@@ -10503,7 +10503,7 @@
     </p:spTree>
     <p:extLst>
       <p:ext uri="{BB962C8B-B14F-4D97-AF65-F5344CB8AC3E}">
-        <p14:creationId xmlns:p14="http://schemas.microsoft.com/office/powerpoint/2010/main" val="873903699"/>
+        <p14:creationId xmlns:p14="http://schemas.microsoft.com/office/powerpoint/2010/main" xmlns="" val="873903699"/>
       </p:ext>
     </p:extLst>
   </p:cSld>
@@ -10665,7 +10665,7 @@
     </p:spTree>
     <p:extLst>
       <p:ext uri="{BB962C8B-B14F-4D97-AF65-F5344CB8AC3E}">
-        <p14:creationId xmlns:p14="http://schemas.microsoft.com/office/powerpoint/2010/main" val="3132782958"/>
+        <p14:creationId xmlns:p14="http://schemas.microsoft.com/office/powerpoint/2010/main" xmlns="" val="3132782958"/>
       </p:ext>
     </p:extLst>
   </p:cSld>
@@ -10942,7 +10942,7 @@
     </p:spTree>
     <p:extLst>
       <p:ext uri="{BB962C8B-B14F-4D97-AF65-F5344CB8AC3E}">
-        <p14:creationId xmlns:p14="http://schemas.microsoft.com/office/powerpoint/2010/main" val="4206837473"/>
+        <p14:creationId xmlns:p14="http://schemas.microsoft.com/office/powerpoint/2010/main" xmlns="" val="4206837473"/>
       </p:ext>
     </p:extLst>
   </p:cSld>
@@ -11006,7 +11006,7 @@
     </p:spTree>
     <p:extLst>
       <p:ext uri="{BB962C8B-B14F-4D97-AF65-F5344CB8AC3E}">
-        <p14:creationId xmlns:p14="http://schemas.microsoft.com/office/powerpoint/2010/main" val="2371554208"/>
+        <p14:creationId xmlns:p14="http://schemas.microsoft.com/office/powerpoint/2010/main" xmlns="" val="2371554208"/>
       </p:ext>
     </p:extLst>
   </p:cSld>
@@ -11105,7 +11105,7 @@
     </p:spTree>
     <p:extLst>
       <p:ext uri="{BB962C8B-B14F-4D97-AF65-F5344CB8AC3E}">
-        <p14:creationId xmlns:p14="http://schemas.microsoft.com/office/powerpoint/2010/main" val="2733330473"/>
+        <p14:creationId xmlns:p14="http://schemas.microsoft.com/office/powerpoint/2010/main" xmlns="" val="2733330473"/>
       </p:ext>
     </p:extLst>
   </p:cSld>
@@ -11151,7 +11151,7 @@
           <a:blip r:embed="rId3">
             <a:extLst>
               <a:ext uri="{28A0092B-C50C-407E-A947-70E740481C1C}">
-                <a14:useLocalDpi xmlns:a14="http://schemas.microsoft.com/office/drawing/2010/main" val="0"/>
+                <a14:useLocalDpi xmlns:a14="http://schemas.microsoft.com/office/drawing/2010/main" xmlns="" val="0"/>
               </a:ext>
             </a:extLst>
           </a:blip>
@@ -11174,14 +11174,14 @@
           </a:ln>
           <a:extLst>
             <a:ext uri="{909E8E84-426E-40DD-AFC4-6F175D3DCCD1}">
-              <a14:hiddenFill xmlns:a14="http://schemas.microsoft.com/office/drawing/2010/main">
+              <a14:hiddenFill xmlns:a14="http://schemas.microsoft.com/office/drawing/2010/main" xmlns="">
                 <a:solidFill>
                   <a:srgbClr val="FFFFFF"/>
                 </a:solidFill>
               </a14:hiddenFill>
             </a:ext>
             <a:ext uri="{91240B29-F687-4F45-9708-019B960494DF}">
-              <a14:hiddenLine xmlns:a14="http://schemas.microsoft.com/office/drawing/2010/main" w="12700" cap="rnd">
+              <a14:hiddenLine xmlns:a14="http://schemas.microsoft.com/office/drawing/2010/main" xmlns="" w="12700" cap="rnd">
                 <a:solidFill>
                   <a:srgbClr val="000000"/>
                 </a:solidFill>
@@ -11351,7 +11351,7 @@
             </a:ln>
             <a:extLst>
               <a:ext uri="{91240B29-F687-4F45-9708-019B960494DF}">
-                <a14:hiddenLine xmlns:a14="http://schemas.microsoft.com/office/drawing/2010/main" w="25400" cap="flat">
+                <a14:hiddenLine xmlns:a14="http://schemas.microsoft.com/office/drawing/2010/main" xmlns="" w="25400" cap="flat">
                   <a:solidFill>
                     <a:srgbClr val="718840"/>
                   </a:solidFill>
@@ -11461,7 +11461,7 @@
             </a:ln>
             <a:extLst>
               <a:ext uri="{91240B29-F687-4F45-9708-019B960494DF}">
-                <a14:hiddenLine xmlns:a14="http://schemas.microsoft.com/office/drawing/2010/main" w="25400" cap="flat">
+                <a14:hiddenLine xmlns:a14="http://schemas.microsoft.com/office/drawing/2010/main" xmlns="" w="25400" cap="flat">
                   <a:solidFill>
                     <a:srgbClr val="718840"/>
                   </a:solidFill>
@@ -11571,7 +11571,7 @@
             </a:ln>
             <a:extLst>
               <a:ext uri="{91240B29-F687-4F45-9708-019B960494DF}">
-                <a14:hiddenLine xmlns:a14="http://schemas.microsoft.com/office/drawing/2010/main" w="25400" cap="flat">
+                <a14:hiddenLine xmlns:a14="http://schemas.microsoft.com/office/drawing/2010/main" xmlns="" w="25400" cap="flat">
                   <a:solidFill>
                     <a:srgbClr val="718840"/>
                   </a:solidFill>
@@ -11737,7 +11737,7 @@
             </a:ln>
             <a:extLst>
               <a:ext uri="{909E8E84-426E-40DD-AFC4-6F175D3DCCD1}">
-                <a14:hiddenFill xmlns:a14="http://schemas.microsoft.com/office/drawing/2010/main">
+                <a14:hiddenFill xmlns:a14="http://schemas.microsoft.com/office/drawing/2010/main" xmlns="">
                   <a:solidFill>
                     <a:srgbClr val="FFFFFF"/>
                   </a:solidFill>
@@ -11775,14 +11775,14 @@
             </a:ln>
             <a:extLst>
               <a:ext uri="{909E8E84-426E-40DD-AFC4-6F175D3DCCD1}">
-                <a14:hiddenFill xmlns:a14="http://schemas.microsoft.com/office/drawing/2010/main">
+                <a14:hiddenFill xmlns:a14="http://schemas.microsoft.com/office/drawing/2010/main" xmlns="">
                   <a:solidFill>
                     <a:srgbClr val="FFFFFF"/>
                   </a:solidFill>
                 </a14:hiddenFill>
               </a:ext>
               <a:ext uri="{91240B29-F687-4F45-9708-019B960494DF}">
-                <a14:hiddenLine xmlns:a14="http://schemas.microsoft.com/office/drawing/2010/main" w="12700">
+                <a14:hiddenLine xmlns:a14="http://schemas.microsoft.com/office/drawing/2010/main" xmlns="" w="12700">
                   <a:solidFill>
                     <a:srgbClr val="000000"/>
                   </a:solidFill>
@@ -11934,7 +11934,7 @@
             </a:ln>
             <a:extLst>
               <a:ext uri="{91240B29-F687-4F45-9708-019B960494DF}">
-                <a14:hiddenLine xmlns:a14="http://schemas.microsoft.com/office/drawing/2010/main" w="25400" cap="flat">
+                <a14:hiddenLine xmlns:a14="http://schemas.microsoft.com/office/drawing/2010/main" xmlns="" w="25400" cap="flat">
                   <a:solidFill>
                     <a:srgbClr val="718840"/>
                   </a:solidFill>
@@ -12044,7 +12044,7 @@
             </a:ln>
             <a:extLst>
               <a:ext uri="{91240B29-F687-4F45-9708-019B960494DF}">
-                <a14:hiddenLine xmlns:a14="http://schemas.microsoft.com/office/drawing/2010/main" w="25400" cap="flat">
+                <a14:hiddenLine xmlns:a14="http://schemas.microsoft.com/office/drawing/2010/main" xmlns="" w="25400" cap="flat">
                   <a:solidFill>
                     <a:srgbClr val="718840"/>
                   </a:solidFill>
@@ -12154,7 +12154,7 @@
             </a:ln>
             <a:extLst>
               <a:ext uri="{91240B29-F687-4F45-9708-019B960494DF}">
-                <a14:hiddenLine xmlns:a14="http://schemas.microsoft.com/office/drawing/2010/main" w="25400" cap="flat">
+                <a14:hiddenLine xmlns:a14="http://schemas.microsoft.com/office/drawing/2010/main" xmlns="" w="25400" cap="flat">
                   <a:solidFill>
                     <a:srgbClr val="718840"/>
                   </a:solidFill>
@@ -12320,7 +12320,7 @@
             </a:ln>
             <a:extLst>
               <a:ext uri="{909E8E84-426E-40DD-AFC4-6F175D3DCCD1}">
-                <a14:hiddenFill xmlns:a14="http://schemas.microsoft.com/office/drawing/2010/main">
+                <a14:hiddenFill xmlns:a14="http://schemas.microsoft.com/office/drawing/2010/main" xmlns="">
                   <a:solidFill>
                     <a:srgbClr val="FFFFFF"/>
                   </a:solidFill>
@@ -12358,14 +12358,14 @@
             </a:ln>
             <a:extLst>
               <a:ext uri="{909E8E84-426E-40DD-AFC4-6F175D3DCCD1}">
-                <a14:hiddenFill xmlns:a14="http://schemas.microsoft.com/office/drawing/2010/main">
+                <a14:hiddenFill xmlns:a14="http://schemas.microsoft.com/office/drawing/2010/main" xmlns="">
                   <a:solidFill>
                     <a:srgbClr val="FFFFFF"/>
                   </a:solidFill>
                 </a14:hiddenFill>
               </a:ext>
               <a:ext uri="{91240B29-F687-4F45-9708-019B960494DF}">
-                <a14:hiddenLine xmlns:a14="http://schemas.microsoft.com/office/drawing/2010/main" w="12700">
+                <a14:hiddenLine xmlns:a14="http://schemas.microsoft.com/office/drawing/2010/main" xmlns="" w="12700">
                   <a:solidFill>
                     <a:srgbClr val="000000"/>
                   </a:solidFill>
@@ -12517,7 +12517,7 @@
             </a:ln>
             <a:extLst>
               <a:ext uri="{91240B29-F687-4F45-9708-019B960494DF}">
-                <a14:hiddenLine xmlns:a14="http://schemas.microsoft.com/office/drawing/2010/main" w="25400" cap="flat">
+                <a14:hiddenLine xmlns:a14="http://schemas.microsoft.com/office/drawing/2010/main" xmlns="" w="25400" cap="flat">
                   <a:solidFill>
                     <a:srgbClr val="718840"/>
                   </a:solidFill>
@@ -12627,7 +12627,7 @@
             </a:ln>
             <a:extLst>
               <a:ext uri="{91240B29-F687-4F45-9708-019B960494DF}">
-                <a14:hiddenLine xmlns:a14="http://schemas.microsoft.com/office/drawing/2010/main" w="25400" cap="flat">
+                <a14:hiddenLine xmlns:a14="http://schemas.microsoft.com/office/drawing/2010/main" xmlns="" w="25400" cap="flat">
                   <a:solidFill>
                     <a:srgbClr val="718840"/>
                   </a:solidFill>
@@ -12737,7 +12737,7 @@
             </a:ln>
             <a:extLst>
               <a:ext uri="{91240B29-F687-4F45-9708-019B960494DF}">
-                <a14:hiddenLine xmlns:a14="http://schemas.microsoft.com/office/drawing/2010/main" w="25400" cap="flat">
+                <a14:hiddenLine xmlns:a14="http://schemas.microsoft.com/office/drawing/2010/main" xmlns="" w="25400" cap="flat">
                   <a:solidFill>
                     <a:srgbClr val="718840"/>
                   </a:solidFill>
@@ -12903,7 +12903,7 @@
             </a:ln>
             <a:extLst>
               <a:ext uri="{909E8E84-426E-40DD-AFC4-6F175D3DCCD1}">
-                <a14:hiddenFill xmlns:a14="http://schemas.microsoft.com/office/drawing/2010/main">
+                <a14:hiddenFill xmlns:a14="http://schemas.microsoft.com/office/drawing/2010/main" xmlns="">
                   <a:solidFill>
                     <a:srgbClr val="FFFFFF"/>
                   </a:solidFill>
@@ -12941,14 +12941,14 @@
             </a:ln>
             <a:extLst>
               <a:ext uri="{909E8E84-426E-40DD-AFC4-6F175D3DCCD1}">
-                <a14:hiddenFill xmlns:a14="http://schemas.microsoft.com/office/drawing/2010/main">
+                <a14:hiddenFill xmlns:a14="http://schemas.microsoft.com/office/drawing/2010/main" xmlns="">
                   <a:solidFill>
                     <a:srgbClr val="FFFFFF"/>
                   </a:solidFill>
                 </a14:hiddenFill>
               </a:ext>
               <a:ext uri="{91240B29-F687-4F45-9708-019B960494DF}">
-                <a14:hiddenLine xmlns:a14="http://schemas.microsoft.com/office/drawing/2010/main" w="12700">
+                <a14:hiddenLine xmlns:a14="http://schemas.microsoft.com/office/drawing/2010/main" xmlns="" w="12700">
                   <a:solidFill>
                     <a:srgbClr val="000000"/>
                   </a:solidFill>
@@ -13100,7 +13100,7 @@
             </a:ln>
             <a:extLst>
               <a:ext uri="{91240B29-F687-4F45-9708-019B960494DF}">
-                <a14:hiddenLine xmlns:a14="http://schemas.microsoft.com/office/drawing/2010/main" w="25400" cap="flat">
+                <a14:hiddenLine xmlns:a14="http://schemas.microsoft.com/office/drawing/2010/main" xmlns="" w="25400" cap="flat">
                   <a:solidFill>
                     <a:srgbClr val="718840"/>
                   </a:solidFill>
@@ -13210,7 +13210,7 @@
             </a:ln>
             <a:extLst>
               <a:ext uri="{91240B29-F687-4F45-9708-019B960494DF}">
-                <a14:hiddenLine xmlns:a14="http://schemas.microsoft.com/office/drawing/2010/main" w="25400" cap="flat">
+                <a14:hiddenLine xmlns:a14="http://schemas.microsoft.com/office/drawing/2010/main" xmlns="" w="25400" cap="flat">
                   <a:solidFill>
                     <a:srgbClr val="718840"/>
                   </a:solidFill>
@@ -13320,7 +13320,7 @@
             </a:ln>
             <a:extLst>
               <a:ext uri="{91240B29-F687-4F45-9708-019B960494DF}">
-                <a14:hiddenLine xmlns:a14="http://schemas.microsoft.com/office/drawing/2010/main" w="25400" cap="flat">
+                <a14:hiddenLine xmlns:a14="http://schemas.microsoft.com/office/drawing/2010/main" xmlns="" w="25400" cap="flat">
                   <a:solidFill>
                     <a:srgbClr val="718840"/>
                   </a:solidFill>
@@ -13486,7 +13486,7 @@
             </a:ln>
             <a:extLst>
               <a:ext uri="{909E8E84-426E-40DD-AFC4-6F175D3DCCD1}">
-                <a14:hiddenFill xmlns:a14="http://schemas.microsoft.com/office/drawing/2010/main">
+                <a14:hiddenFill xmlns:a14="http://schemas.microsoft.com/office/drawing/2010/main" xmlns="">
                   <a:solidFill>
                     <a:srgbClr val="FFFFFF"/>
                   </a:solidFill>
@@ -13524,14 +13524,14 @@
             </a:ln>
             <a:extLst>
               <a:ext uri="{909E8E84-426E-40DD-AFC4-6F175D3DCCD1}">
-                <a14:hiddenFill xmlns:a14="http://schemas.microsoft.com/office/drawing/2010/main">
+                <a14:hiddenFill xmlns:a14="http://schemas.microsoft.com/office/drawing/2010/main" xmlns="">
                   <a:solidFill>
                     <a:srgbClr val="FFFFFF"/>
                   </a:solidFill>
                 </a14:hiddenFill>
               </a:ext>
               <a:ext uri="{91240B29-F687-4F45-9708-019B960494DF}">
-                <a14:hiddenLine xmlns:a14="http://schemas.microsoft.com/office/drawing/2010/main" w="12700">
+                <a14:hiddenLine xmlns:a14="http://schemas.microsoft.com/office/drawing/2010/main" xmlns="" w="12700">
                   <a:solidFill>
                     <a:srgbClr val="000000"/>
                   </a:solidFill>
@@ -13582,14 +13582,14 @@
           </a:ln>
           <a:extLst>
             <a:ext uri="{909E8E84-426E-40DD-AFC4-6F175D3DCCD1}">
-              <a14:hiddenFill xmlns:a14="http://schemas.microsoft.com/office/drawing/2010/main">
+              <a14:hiddenFill xmlns:a14="http://schemas.microsoft.com/office/drawing/2010/main" xmlns="">
                 <a:solidFill>
                   <a:srgbClr val="FFFFFF"/>
                 </a:solidFill>
               </a14:hiddenFill>
             </a:ext>
             <a:ext uri="{91240B29-F687-4F45-9708-019B960494DF}">
-              <a14:hiddenLine xmlns:a14="http://schemas.microsoft.com/office/drawing/2010/main" w="12700" cap="rnd">
+              <a14:hiddenLine xmlns:a14="http://schemas.microsoft.com/office/drawing/2010/main" xmlns="" w="12700" cap="rnd">
                 <a:solidFill>
                   <a:srgbClr val="000000"/>
                 </a:solidFill>
@@ -13698,14 +13698,14 @@
           </a:ln>
           <a:extLst>
             <a:ext uri="{909E8E84-426E-40DD-AFC4-6F175D3DCCD1}">
-              <a14:hiddenFill xmlns:a14="http://schemas.microsoft.com/office/drawing/2010/main">
+              <a14:hiddenFill xmlns:a14="http://schemas.microsoft.com/office/drawing/2010/main" xmlns="">
                 <a:solidFill>
                   <a:srgbClr val="FFFFFF"/>
                 </a:solidFill>
               </a14:hiddenFill>
             </a:ext>
             <a:ext uri="{91240B29-F687-4F45-9708-019B960494DF}">
-              <a14:hiddenLine xmlns:a14="http://schemas.microsoft.com/office/drawing/2010/main" w="12700" cap="rnd">
+              <a14:hiddenLine xmlns:a14="http://schemas.microsoft.com/office/drawing/2010/main" xmlns="" w="12700" cap="rnd">
                 <a:solidFill>
                   <a:srgbClr val="000000"/>
                 </a:solidFill>
@@ -13802,14 +13802,14 @@
           </a:ln>
           <a:extLst>
             <a:ext uri="{909E8E84-426E-40DD-AFC4-6F175D3DCCD1}">
-              <a14:hiddenFill xmlns:a14="http://schemas.microsoft.com/office/drawing/2010/main">
+              <a14:hiddenFill xmlns:a14="http://schemas.microsoft.com/office/drawing/2010/main" xmlns="">
                 <a:solidFill>
                   <a:srgbClr val="FFFFFF"/>
                 </a:solidFill>
               </a14:hiddenFill>
             </a:ext>
             <a:ext uri="{91240B29-F687-4F45-9708-019B960494DF}">
-              <a14:hiddenLine xmlns:a14="http://schemas.microsoft.com/office/drawing/2010/main" w="12700" cap="rnd">
+              <a14:hiddenLine xmlns:a14="http://schemas.microsoft.com/office/drawing/2010/main" xmlns="" w="12700" cap="rnd">
                 <a:solidFill>
                   <a:srgbClr val="000000"/>
                 </a:solidFill>
@@ -13915,14 +13915,14 @@
           </a:ln>
           <a:extLst>
             <a:ext uri="{909E8E84-426E-40DD-AFC4-6F175D3DCCD1}">
-              <a14:hiddenFill xmlns:a14="http://schemas.microsoft.com/office/drawing/2010/main">
+              <a14:hiddenFill xmlns:a14="http://schemas.microsoft.com/office/drawing/2010/main" xmlns="">
                 <a:solidFill>
                   <a:srgbClr val="FFFFFF"/>
                 </a:solidFill>
               </a14:hiddenFill>
             </a:ext>
             <a:ext uri="{91240B29-F687-4F45-9708-019B960494DF}">
-              <a14:hiddenLine xmlns:a14="http://schemas.microsoft.com/office/drawing/2010/main" w="12700" cap="rnd">
+              <a14:hiddenLine xmlns:a14="http://schemas.microsoft.com/office/drawing/2010/main" xmlns="" w="12700" cap="rnd">
                 <a:solidFill>
                   <a:srgbClr val="000000"/>
                 </a:solidFill>
@@ -14029,7 +14029,7 @@
           </a:ln>
           <a:extLst>
             <a:ext uri="{909E8E84-426E-40DD-AFC4-6F175D3DCCD1}">
-              <a14:hiddenFill xmlns:a14="http://schemas.microsoft.com/office/drawing/2010/main">
+              <a14:hiddenFill xmlns:a14="http://schemas.microsoft.com/office/drawing/2010/main" xmlns="">
                 <a:solidFill>
                   <a:srgbClr val="FFFFFF"/>
                 </a:solidFill>
@@ -14074,7 +14074,7 @@
           </a:ln>
           <a:extLst>
             <a:ext uri="{909E8E84-426E-40DD-AFC4-6F175D3DCCD1}">
-              <a14:hiddenFill xmlns:a14="http://schemas.microsoft.com/office/drawing/2010/main">
+              <a14:hiddenFill xmlns:a14="http://schemas.microsoft.com/office/drawing/2010/main" xmlns="">
                 <a:solidFill>
                   <a:srgbClr val="FFFFFF"/>
                 </a:solidFill>
@@ -14119,7 +14119,7 @@
           </a:ln>
           <a:extLst>
             <a:ext uri="{909E8E84-426E-40DD-AFC4-6F175D3DCCD1}">
-              <a14:hiddenFill xmlns:a14="http://schemas.microsoft.com/office/drawing/2010/main">
+              <a14:hiddenFill xmlns:a14="http://schemas.microsoft.com/office/drawing/2010/main" xmlns="">
                 <a:solidFill>
                   <a:srgbClr val="FFFFFF"/>
                 </a:solidFill>
@@ -14164,7 +14164,7 @@
           </a:ln>
           <a:extLst>
             <a:ext uri="{909E8E84-426E-40DD-AFC4-6F175D3DCCD1}">
-              <a14:hiddenFill xmlns:a14="http://schemas.microsoft.com/office/drawing/2010/main">
+              <a14:hiddenFill xmlns:a14="http://schemas.microsoft.com/office/drawing/2010/main" xmlns="">
                 <a:solidFill>
                   <a:srgbClr val="FFFFFF"/>
                 </a:solidFill>
@@ -14257,14 +14257,14 @@
             </a:ln>
             <a:extLst>
               <a:ext uri="{909E8E84-426E-40DD-AFC4-6F175D3DCCD1}">
-                <a14:hiddenFill xmlns:a14="http://schemas.microsoft.com/office/drawing/2010/main">
+                <a14:hiddenFill xmlns:a14="http://schemas.microsoft.com/office/drawing/2010/main" xmlns="">
                   <a:solidFill>
                     <a:srgbClr val="FFFFFF"/>
                   </a:solidFill>
                 </a14:hiddenFill>
               </a:ext>
               <a:ext uri="{91240B29-F687-4F45-9708-019B960494DF}">
-                <a14:hiddenLine xmlns:a14="http://schemas.microsoft.com/office/drawing/2010/main" w="12700">
+                <a14:hiddenLine xmlns:a14="http://schemas.microsoft.com/office/drawing/2010/main" xmlns="" w="12700">
                   <a:solidFill>
                     <a:srgbClr val="000000"/>
                   </a:solidFill>
@@ -14306,19 +14306,19 @@
     </p:spTree>
     <p:extLst>
       <p:ext uri="{BB962C8B-B14F-4D97-AF65-F5344CB8AC3E}">
-        <p14:creationId xmlns:p14="http://schemas.microsoft.com/office/powerpoint/2010/main" val="2223436641"/>
+        <p14:creationId xmlns:p14="http://schemas.microsoft.com/office/powerpoint/2010/main" xmlns="" val="2223436641"/>
       </p:ext>
     </p:extLst>
   </p:cSld>
   <p:clrMapOvr>
     <a:masterClrMapping/>
   </p:clrMapOvr>
-  <mc:AlternateContent xmlns:mc="http://schemas.openxmlformats.org/markup-compatibility/2006" xmlns:p14="http://schemas.microsoft.com/office/powerpoint/2010/main">
-    <mc:Choice Requires="p14">
+  <mc:AlternateContent xmlns:mc="http://schemas.openxmlformats.org/markup-compatibility/2006">
+    <mc:Choice xmlns:p14="http://schemas.microsoft.com/office/powerpoint/2010/main" xmlns="" Requires="p14">
       <p:transition spd="slow" p14:dur="2000"/>
     </mc:Choice>
-    <mc:Fallback xmlns="">
-      <p:transition xmlns:p14="http://schemas.microsoft.com/office/powerpoint/2010/main" spd="slow"/>
+    <mc:Fallback>
+      <p:transition spd="slow"/>
     </mc:Fallback>
   </mc:AlternateContent>
   <p:timing>
@@ -14382,7 +14382,7 @@
     </p:spTree>
     <p:extLst>
       <p:ext uri="{BB962C8B-B14F-4D97-AF65-F5344CB8AC3E}">
-        <p14:creationId xmlns:p14="http://schemas.microsoft.com/office/powerpoint/2010/main" val="912066646"/>
+        <p14:creationId xmlns:p14="http://schemas.microsoft.com/office/powerpoint/2010/main" xmlns="" val="912066646"/>
       </p:ext>
     </p:extLst>
   </p:cSld>
@@ -14566,7 +14566,7 @@
             </a:ln>
             <a:extLst>
               <a:ext uri="{91240B29-F687-4F45-9708-019B960494DF}">
-                <a14:hiddenLine xmlns:a14="http://schemas.microsoft.com/office/drawing/2010/main" w="25400" cap="flat">
+                <a14:hiddenLine xmlns:a14="http://schemas.microsoft.com/office/drawing/2010/main" xmlns="" w="25400" cap="flat">
                   <a:solidFill>
                     <a:srgbClr val="718840"/>
                   </a:solidFill>
@@ -14676,7 +14676,7 @@
             </a:ln>
             <a:extLst>
               <a:ext uri="{91240B29-F687-4F45-9708-019B960494DF}">
-                <a14:hiddenLine xmlns:a14="http://schemas.microsoft.com/office/drawing/2010/main" w="25400" cap="flat">
+                <a14:hiddenLine xmlns:a14="http://schemas.microsoft.com/office/drawing/2010/main" xmlns="" w="25400" cap="flat">
                   <a:solidFill>
                     <a:srgbClr val="718840"/>
                   </a:solidFill>
@@ -14786,7 +14786,7 @@
             </a:ln>
             <a:extLst>
               <a:ext uri="{91240B29-F687-4F45-9708-019B960494DF}">
-                <a14:hiddenLine xmlns:a14="http://schemas.microsoft.com/office/drawing/2010/main" w="25400" cap="flat">
+                <a14:hiddenLine xmlns:a14="http://schemas.microsoft.com/office/drawing/2010/main" xmlns="" w="25400" cap="flat">
                   <a:solidFill>
                     <a:srgbClr val="718840"/>
                   </a:solidFill>
@@ -14952,7 +14952,7 @@
             </a:ln>
             <a:extLst>
               <a:ext uri="{909E8E84-426E-40DD-AFC4-6F175D3DCCD1}">
-                <a14:hiddenFill xmlns:a14="http://schemas.microsoft.com/office/drawing/2010/main">
+                <a14:hiddenFill xmlns:a14="http://schemas.microsoft.com/office/drawing/2010/main" xmlns="">
                   <a:solidFill>
                     <a:srgbClr val="FFFFFF"/>
                   </a:solidFill>
@@ -14990,14 +14990,14 @@
             </a:ln>
             <a:extLst>
               <a:ext uri="{909E8E84-426E-40DD-AFC4-6F175D3DCCD1}">
-                <a14:hiddenFill xmlns:a14="http://schemas.microsoft.com/office/drawing/2010/main">
+                <a14:hiddenFill xmlns:a14="http://schemas.microsoft.com/office/drawing/2010/main" xmlns="">
                   <a:solidFill>
                     <a:srgbClr val="FFFFFF"/>
                   </a:solidFill>
                 </a14:hiddenFill>
               </a:ext>
               <a:ext uri="{91240B29-F687-4F45-9708-019B960494DF}">
-                <a14:hiddenLine xmlns:a14="http://schemas.microsoft.com/office/drawing/2010/main" w="12700">
+                <a14:hiddenLine xmlns:a14="http://schemas.microsoft.com/office/drawing/2010/main" xmlns="" w="12700">
                   <a:solidFill>
                     <a:srgbClr val="000000"/>
                   </a:solidFill>
@@ -15149,7 +15149,7 @@
             </a:ln>
             <a:extLst>
               <a:ext uri="{91240B29-F687-4F45-9708-019B960494DF}">
-                <a14:hiddenLine xmlns:a14="http://schemas.microsoft.com/office/drawing/2010/main" w="25400" cap="flat">
+                <a14:hiddenLine xmlns:a14="http://schemas.microsoft.com/office/drawing/2010/main" xmlns="" w="25400" cap="flat">
                   <a:solidFill>
                     <a:srgbClr val="718840"/>
                   </a:solidFill>
@@ -15259,7 +15259,7 @@
             </a:ln>
             <a:extLst>
               <a:ext uri="{91240B29-F687-4F45-9708-019B960494DF}">
-                <a14:hiddenLine xmlns:a14="http://schemas.microsoft.com/office/drawing/2010/main" w="25400" cap="flat">
+                <a14:hiddenLine xmlns:a14="http://schemas.microsoft.com/office/drawing/2010/main" xmlns="" w="25400" cap="flat">
                   <a:solidFill>
                     <a:srgbClr val="718840"/>
                   </a:solidFill>
@@ -15369,7 +15369,7 @@
             </a:ln>
             <a:extLst>
               <a:ext uri="{91240B29-F687-4F45-9708-019B960494DF}">
-                <a14:hiddenLine xmlns:a14="http://schemas.microsoft.com/office/drawing/2010/main" w="25400" cap="flat">
+                <a14:hiddenLine xmlns:a14="http://schemas.microsoft.com/office/drawing/2010/main" xmlns="" w="25400" cap="flat">
                   <a:solidFill>
                     <a:srgbClr val="718840"/>
                   </a:solidFill>
@@ -15535,7 +15535,7 @@
             </a:ln>
             <a:extLst>
               <a:ext uri="{909E8E84-426E-40DD-AFC4-6F175D3DCCD1}">
-                <a14:hiddenFill xmlns:a14="http://schemas.microsoft.com/office/drawing/2010/main">
+                <a14:hiddenFill xmlns:a14="http://schemas.microsoft.com/office/drawing/2010/main" xmlns="">
                   <a:solidFill>
                     <a:srgbClr val="FFFFFF"/>
                   </a:solidFill>
@@ -15573,14 +15573,14 @@
             </a:ln>
             <a:extLst>
               <a:ext uri="{909E8E84-426E-40DD-AFC4-6F175D3DCCD1}">
-                <a14:hiddenFill xmlns:a14="http://schemas.microsoft.com/office/drawing/2010/main">
+                <a14:hiddenFill xmlns:a14="http://schemas.microsoft.com/office/drawing/2010/main" xmlns="">
                   <a:solidFill>
                     <a:srgbClr val="FFFFFF"/>
                   </a:solidFill>
                 </a14:hiddenFill>
               </a:ext>
               <a:ext uri="{91240B29-F687-4F45-9708-019B960494DF}">
-                <a14:hiddenLine xmlns:a14="http://schemas.microsoft.com/office/drawing/2010/main" w="12700">
+                <a14:hiddenLine xmlns:a14="http://schemas.microsoft.com/office/drawing/2010/main" xmlns="" w="12700">
                   <a:solidFill>
                     <a:srgbClr val="000000"/>
                   </a:solidFill>
@@ -15732,7 +15732,7 @@
             </a:ln>
             <a:extLst>
               <a:ext uri="{91240B29-F687-4F45-9708-019B960494DF}">
-                <a14:hiddenLine xmlns:a14="http://schemas.microsoft.com/office/drawing/2010/main" w="25400" cap="flat">
+                <a14:hiddenLine xmlns:a14="http://schemas.microsoft.com/office/drawing/2010/main" xmlns="" w="25400" cap="flat">
                   <a:solidFill>
                     <a:srgbClr val="718840"/>
                   </a:solidFill>
@@ -15842,7 +15842,7 @@
             </a:ln>
             <a:extLst>
               <a:ext uri="{91240B29-F687-4F45-9708-019B960494DF}">
-                <a14:hiddenLine xmlns:a14="http://schemas.microsoft.com/office/drawing/2010/main" w="25400" cap="flat">
+                <a14:hiddenLine xmlns:a14="http://schemas.microsoft.com/office/drawing/2010/main" xmlns="" w="25400" cap="flat">
                   <a:solidFill>
                     <a:srgbClr val="718840"/>
                   </a:solidFill>
@@ -15952,7 +15952,7 @@
             </a:ln>
             <a:extLst>
               <a:ext uri="{91240B29-F687-4F45-9708-019B960494DF}">
-                <a14:hiddenLine xmlns:a14="http://schemas.microsoft.com/office/drawing/2010/main" w="25400" cap="flat">
+                <a14:hiddenLine xmlns:a14="http://schemas.microsoft.com/office/drawing/2010/main" xmlns="" w="25400" cap="flat">
                   <a:solidFill>
                     <a:srgbClr val="718840"/>
                   </a:solidFill>
@@ -16118,7 +16118,7 @@
             </a:ln>
             <a:extLst>
               <a:ext uri="{909E8E84-426E-40DD-AFC4-6F175D3DCCD1}">
-                <a14:hiddenFill xmlns:a14="http://schemas.microsoft.com/office/drawing/2010/main">
+                <a14:hiddenFill xmlns:a14="http://schemas.microsoft.com/office/drawing/2010/main" xmlns="">
                   <a:solidFill>
                     <a:srgbClr val="FFFFFF"/>
                   </a:solidFill>
@@ -16156,14 +16156,14 @@
             </a:ln>
             <a:extLst>
               <a:ext uri="{909E8E84-426E-40DD-AFC4-6F175D3DCCD1}">
-                <a14:hiddenFill xmlns:a14="http://schemas.microsoft.com/office/drawing/2010/main">
+                <a14:hiddenFill xmlns:a14="http://schemas.microsoft.com/office/drawing/2010/main" xmlns="">
                   <a:solidFill>
                     <a:srgbClr val="FFFFFF"/>
                   </a:solidFill>
                 </a14:hiddenFill>
               </a:ext>
               <a:ext uri="{91240B29-F687-4F45-9708-019B960494DF}">
-                <a14:hiddenLine xmlns:a14="http://schemas.microsoft.com/office/drawing/2010/main" w="12700">
+                <a14:hiddenLine xmlns:a14="http://schemas.microsoft.com/office/drawing/2010/main" xmlns="" w="12700">
                   <a:solidFill>
                     <a:srgbClr val="000000"/>
                   </a:solidFill>
@@ -16315,7 +16315,7 @@
             </a:ln>
             <a:extLst>
               <a:ext uri="{91240B29-F687-4F45-9708-019B960494DF}">
-                <a14:hiddenLine xmlns:a14="http://schemas.microsoft.com/office/drawing/2010/main" w="25400" cap="flat">
+                <a14:hiddenLine xmlns:a14="http://schemas.microsoft.com/office/drawing/2010/main" xmlns="" w="25400" cap="flat">
                   <a:solidFill>
                     <a:srgbClr val="718840"/>
                   </a:solidFill>
@@ -16425,7 +16425,7 @@
             </a:ln>
             <a:extLst>
               <a:ext uri="{91240B29-F687-4F45-9708-019B960494DF}">
-                <a14:hiddenLine xmlns:a14="http://schemas.microsoft.com/office/drawing/2010/main" w="25400" cap="flat">
+                <a14:hiddenLine xmlns:a14="http://schemas.microsoft.com/office/drawing/2010/main" xmlns="" w="25400" cap="flat">
                   <a:solidFill>
                     <a:srgbClr val="718840"/>
                   </a:solidFill>
@@ -16535,7 +16535,7 @@
             </a:ln>
             <a:extLst>
               <a:ext uri="{91240B29-F687-4F45-9708-019B960494DF}">
-                <a14:hiddenLine xmlns:a14="http://schemas.microsoft.com/office/drawing/2010/main" w="25400" cap="flat">
+                <a14:hiddenLine xmlns:a14="http://schemas.microsoft.com/office/drawing/2010/main" xmlns="" w="25400" cap="flat">
                   <a:solidFill>
                     <a:srgbClr val="718840"/>
                   </a:solidFill>
@@ -16701,7 +16701,7 @@
             </a:ln>
             <a:extLst>
               <a:ext uri="{909E8E84-426E-40DD-AFC4-6F175D3DCCD1}">
-                <a14:hiddenFill xmlns:a14="http://schemas.microsoft.com/office/drawing/2010/main">
+                <a14:hiddenFill xmlns:a14="http://schemas.microsoft.com/office/drawing/2010/main" xmlns="">
                   <a:solidFill>
                     <a:srgbClr val="FFFFFF"/>
                   </a:solidFill>
@@ -16739,14 +16739,14 @@
             </a:ln>
             <a:extLst>
               <a:ext uri="{909E8E84-426E-40DD-AFC4-6F175D3DCCD1}">
-                <a14:hiddenFill xmlns:a14="http://schemas.microsoft.com/office/drawing/2010/main">
+                <a14:hiddenFill xmlns:a14="http://schemas.microsoft.com/office/drawing/2010/main" xmlns="">
                   <a:solidFill>
                     <a:srgbClr val="FFFFFF"/>
                   </a:solidFill>
                 </a14:hiddenFill>
               </a:ext>
               <a:ext uri="{91240B29-F687-4F45-9708-019B960494DF}">
-                <a14:hiddenLine xmlns:a14="http://schemas.microsoft.com/office/drawing/2010/main" w="12700">
+                <a14:hiddenLine xmlns:a14="http://schemas.microsoft.com/office/drawing/2010/main" xmlns="" w="12700">
                   <a:solidFill>
                     <a:srgbClr val="000000"/>
                   </a:solidFill>
@@ -16804,7 +16804,7 @@
           </a:ln>
           <a:extLst>
             <a:ext uri="{909E8E84-426E-40DD-AFC4-6F175D3DCCD1}">
-              <a14:hiddenFill xmlns:a14="http://schemas.microsoft.com/office/drawing/2010/main">
+              <a14:hiddenFill xmlns:a14="http://schemas.microsoft.com/office/drawing/2010/main" xmlns="">
                 <a:solidFill>
                   <a:srgbClr val="FFFFFF"/>
                 </a:solidFill>
@@ -16849,7 +16849,7 @@
           </a:ln>
           <a:extLst>
             <a:ext uri="{909E8E84-426E-40DD-AFC4-6F175D3DCCD1}">
-              <a14:hiddenFill xmlns:a14="http://schemas.microsoft.com/office/drawing/2010/main">
+              <a14:hiddenFill xmlns:a14="http://schemas.microsoft.com/office/drawing/2010/main" xmlns="">
                 <a:solidFill>
                   <a:srgbClr val="FFFFFF"/>
                 </a:solidFill>
@@ -16894,7 +16894,7 @@
           </a:ln>
           <a:extLst>
             <a:ext uri="{909E8E84-426E-40DD-AFC4-6F175D3DCCD1}">
-              <a14:hiddenFill xmlns:a14="http://schemas.microsoft.com/office/drawing/2010/main">
+              <a14:hiddenFill xmlns:a14="http://schemas.microsoft.com/office/drawing/2010/main" xmlns="">
                 <a:solidFill>
                   <a:srgbClr val="FFFFFF"/>
                 </a:solidFill>
@@ -16939,7 +16939,7 @@
           </a:ln>
           <a:extLst>
             <a:ext uri="{909E8E84-426E-40DD-AFC4-6F175D3DCCD1}">
-              <a14:hiddenFill xmlns:a14="http://schemas.microsoft.com/office/drawing/2010/main">
+              <a14:hiddenFill xmlns:a14="http://schemas.microsoft.com/office/drawing/2010/main" xmlns="">
                 <a:solidFill>
                   <a:srgbClr val="FFFFFF"/>
                 </a:solidFill>
@@ -16996,7 +16996,7 @@
           <p:nvPr>
             <p:extLst>
               <p:ext uri="{D42A27DB-BD31-4B8C-83A1-F6EECF244321}">
-                <p14:modId xmlns:p14="http://schemas.microsoft.com/office/powerpoint/2010/main" val="588109365"/>
+                <p14:modId xmlns:p14="http://schemas.microsoft.com/office/powerpoint/2010/main" xmlns="" val="588109365"/>
               </p:ext>
             </p:extLst>
           </p:nvPr>
@@ -17677,7 +17677,7 @@
     </p:spTree>
     <p:extLst>
       <p:ext uri="{BB962C8B-B14F-4D97-AF65-F5344CB8AC3E}">
-        <p14:creationId xmlns:p14="http://schemas.microsoft.com/office/powerpoint/2010/main" val="2017850105"/>
+        <p14:creationId xmlns:p14="http://schemas.microsoft.com/office/powerpoint/2010/main" xmlns="" val="2017850105"/>
       </p:ext>
     </p:extLst>
   </p:cSld>
@@ -18185,7 +18185,7 @@
             </a:ln>
             <a:extLst>
               <a:ext uri="{91240B29-F687-4F45-9708-019B960494DF}">
-                <a14:hiddenLine xmlns:a14="http://schemas.microsoft.com/office/drawing/2010/main" w="25400" cap="flat">
+                <a14:hiddenLine xmlns:a14="http://schemas.microsoft.com/office/drawing/2010/main" xmlns="" w="25400" cap="flat">
                   <a:solidFill>
                     <a:srgbClr val="718840"/>
                   </a:solidFill>
@@ -18295,7 +18295,7 @@
             </a:ln>
             <a:extLst>
               <a:ext uri="{91240B29-F687-4F45-9708-019B960494DF}">
-                <a14:hiddenLine xmlns:a14="http://schemas.microsoft.com/office/drawing/2010/main" w="25400" cap="flat">
+                <a14:hiddenLine xmlns:a14="http://schemas.microsoft.com/office/drawing/2010/main" xmlns="" w="25400" cap="flat">
                   <a:solidFill>
                     <a:srgbClr val="718840"/>
                   </a:solidFill>
@@ -18405,7 +18405,7 @@
             </a:ln>
             <a:extLst>
               <a:ext uri="{91240B29-F687-4F45-9708-019B960494DF}">
-                <a14:hiddenLine xmlns:a14="http://schemas.microsoft.com/office/drawing/2010/main" w="25400" cap="flat">
+                <a14:hiddenLine xmlns:a14="http://schemas.microsoft.com/office/drawing/2010/main" xmlns="" w="25400" cap="flat">
                   <a:solidFill>
                     <a:srgbClr val="718840"/>
                   </a:solidFill>
@@ -18571,7 +18571,7 @@
             </a:ln>
             <a:extLst>
               <a:ext uri="{909E8E84-426E-40DD-AFC4-6F175D3DCCD1}">
-                <a14:hiddenFill xmlns:a14="http://schemas.microsoft.com/office/drawing/2010/main">
+                <a14:hiddenFill xmlns:a14="http://schemas.microsoft.com/office/drawing/2010/main" xmlns="">
                   <a:solidFill>
                     <a:srgbClr val="FFFFFF"/>
                   </a:solidFill>
@@ -18609,14 +18609,14 @@
             </a:ln>
             <a:extLst>
               <a:ext uri="{909E8E84-426E-40DD-AFC4-6F175D3DCCD1}">
-                <a14:hiddenFill xmlns:a14="http://schemas.microsoft.com/office/drawing/2010/main">
+                <a14:hiddenFill xmlns:a14="http://schemas.microsoft.com/office/drawing/2010/main" xmlns="">
                   <a:solidFill>
                     <a:srgbClr val="FFFFFF"/>
                   </a:solidFill>
                 </a14:hiddenFill>
               </a:ext>
               <a:ext uri="{91240B29-F687-4F45-9708-019B960494DF}">
-                <a14:hiddenLine xmlns:a14="http://schemas.microsoft.com/office/drawing/2010/main" w="12700">
+                <a14:hiddenLine xmlns:a14="http://schemas.microsoft.com/office/drawing/2010/main" xmlns="" w="12700">
                   <a:solidFill>
                     <a:srgbClr val="000000"/>
                   </a:solidFill>
@@ -18768,7 +18768,7 @@
             </a:ln>
             <a:extLst>
               <a:ext uri="{91240B29-F687-4F45-9708-019B960494DF}">
-                <a14:hiddenLine xmlns:a14="http://schemas.microsoft.com/office/drawing/2010/main" w="25400" cap="flat">
+                <a14:hiddenLine xmlns:a14="http://schemas.microsoft.com/office/drawing/2010/main" xmlns="" w="25400" cap="flat">
                   <a:solidFill>
                     <a:srgbClr val="718840"/>
                   </a:solidFill>
@@ -18878,7 +18878,7 @@
             </a:ln>
             <a:extLst>
               <a:ext uri="{91240B29-F687-4F45-9708-019B960494DF}">
-                <a14:hiddenLine xmlns:a14="http://schemas.microsoft.com/office/drawing/2010/main" w="25400" cap="flat">
+                <a14:hiddenLine xmlns:a14="http://schemas.microsoft.com/office/drawing/2010/main" xmlns="" w="25400" cap="flat">
                   <a:solidFill>
                     <a:srgbClr val="718840"/>
                   </a:solidFill>
@@ -18988,7 +18988,7 @@
             </a:ln>
             <a:extLst>
               <a:ext uri="{91240B29-F687-4F45-9708-019B960494DF}">
-                <a14:hiddenLine xmlns:a14="http://schemas.microsoft.com/office/drawing/2010/main" w="25400" cap="flat">
+                <a14:hiddenLine xmlns:a14="http://schemas.microsoft.com/office/drawing/2010/main" xmlns="" w="25400" cap="flat">
                   <a:solidFill>
                     <a:srgbClr val="718840"/>
                   </a:solidFill>
@@ -19154,7 +19154,7 @@
             </a:ln>
             <a:extLst>
               <a:ext uri="{909E8E84-426E-40DD-AFC4-6F175D3DCCD1}">
-                <a14:hiddenFill xmlns:a14="http://schemas.microsoft.com/office/drawing/2010/main">
+                <a14:hiddenFill xmlns:a14="http://schemas.microsoft.com/office/drawing/2010/main" xmlns="">
                   <a:solidFill>
                     <a:srgbClr val="FFFFFF"/>
                   </a:solidFill>
@@ -19192,14 +19192,14 @@
             </a:ln>
             <a:extLst>
               <a:ext uri="{909E8E84-426E-40DD-AFC4-6F175D3DCCD1}">
-                <a14:hiddenFill xmlns:a14="http://schemas.microsoft.com/office/drawing/2010/main">
+                <a14:hiddenFill xmlns:a14="http://schemas.microsoft.com/office/drawing/2010/main" xmlns="">
                   <a:solidFill>
                     <a:srgbClr val="FFFFFF"/>
                   </a:solidFill>
                 </a14:hiddenFill>
               </a:ext>
               <a:ext uri="{91240B29-F687-4F45-9708-019B960494DF}">
-                <a14:hiddenLine xmlns:a14="http://schemas.microsoft.com/office/drawing/2010/main" w="12700">
+                <a14:hiddenLine xmlns:a14="http://schemas.microsoft.com/office/drawing/2010/main" xmlns="" w="12700">
                   <a:solidFill>
                     <a:srgbClr val="000000"/>
                   </a:solidFill>
@@ -19351,7 +19351,7 @@
             </a:ln>
             <a:extLst>
               <a:ext uri="{91240B29-F687-4F45-9708-019B960494DF}">
-                <a14:hiddenLine xmlns:a14="http://schemas.microsoft.com/office/drawing/2010/main" w="25400" cap="flat">
+                <a14:hiddenLine xmlns:a14="http://schemas.microsoft.com/office/drawing/2010/main" xmlns="" w="25400" cap="flat">
                   <a:solidFill>
                     <a:srgbClr val="718840"/>
                   </a:solidFill>
@@ -19461,7 +19461,7 @@
             </a:ln>
             <a:extLst>
               <a:ext uri="{91240B29-F687-4F45-9708-019B960494DF}">
-                <a14:hiddenLine xmlns:a14="http://schemas.microsoft.com/office/drawing/2010/main" w="25400" cap="flat">
+                <a14:hiddenLine xmlns:a14="http://schemas.microsoft.com/office/drawing/2010/main" xmlns="" w="25400" cap="flat">
                   <a:solidFill>
                     <a:srgbClr val="718840"/>
                   </a:solidFill>
@@ -19571,7 +19571,7 @@
             </a:ln>
             <a:extLst>
               <a:ext uri="{91240B29-F687-4F45-9708-019B960494DF}">
-                <a14:hiddenLine xmlns:a14="http://schemas.microsoft.com/office/drawing/2010/main" w="25400" cap="flat">
+                <a14:hiddenLine xmlns:a14="http://schemas.microsoft.com/office/drawing/2010/main" xmlns="" w="25400" cap="flat">
                   <a:solidFill>
                     <a:srgbClr val="718840"/>
                   </a:solidFill>
@@ -19737,7 +19737,7 @@
             </a:ln>
             <a:extLst>
               <a:ext uri="{909E8E84-426E-40DD-AFC4-6F175D3DCCD1}">
-                <a14:hiddenFill xmlns:a14="http://schemas.microsoft.com/office/drawing/2010/main">
+                <a14:hiddenFill xmlns:a14="http://schemas.microsoft.com/office/drawing/2010/main" xmlns="">
                   <a:solidFill>
                     <a:srgbClr val="FFFFFF"/>
                   </a:solidFill>
@@ -19775,14 +19775,14 @@
             </a:ln>
             <a:extLst>
               <a:ext uri="{909E8E84-426E-40DD-AFC4-6F175D3DCCD1}">
-                <a14:hiddenFill xmlns:a14="http://schemas.microsoft.com/office/drawing/2010/main">
+                <a14:hiddenFill xmlns:a14="http://schemas.microsoft.com/office/drawing/2010/main" xmlns="">
                   <a:solidFill>
                     <a:srgbClr val="FFFFFF"/>
                   </a:solidFill>
                 </a14:hiddenFill>
               </a:ext>
               <a:ext uri="{91240B29-F687-4F45-9708-019B960494DF}">
-                <a14:hiddenLine xmlns:a14="http://schemas.microsoft.com/office/drawing/2010/main" w="12700">
+                <a14:hiddenLine xmlns:a14="http://schemas.microsoft.com/office/drawing/2010/main" xmlns="" w="12700">
                   <a:solidFill>
                     <a:srgbClr val="000000"/>
                   </a:solidFill>
@@ -19934,7 +19934,7 @@
             </a:ln>
             <a:extLst>
               <a:ext uri="{91240B29-F687-4F45-9708-019B960494DF}">
-                <a14:hiddenLine xmlns:a14="http://schemas.microsoft.com/office/drawing/2010/main" w="25400" cap="flat">
+                <a14:hiddenLine xmlns:a14="http://schemas.microsoft.com/office/drawing/2010/main" xmlns="" w="25400" cap="flat">
                   <a:solidFill>
                     <a:srgbClr val="718840"/>
                   </a:solidFill>
@@ -20044,7 +20044,7 @@
             </a:ln>
             <a:extLst>
               <a:ext uri="{91240B29-F687-4F45-9708-019B960494DF}">
-                <a14:hiddenLine xmlns:a14="http://schemas.microsoft.com/office/drawing/2010/main" w="25400" cap="flat">
+                <a14:hiddenLine xmlns:a14="http://schemas.microsoft.com/office/drawing/2010/main" xmlns="" w="25400" cap="flat">
                   <a:solidFill>
                     <a:srgbClr val="718840"/>
                   </a:solidFill>
@@ -20154,7 +20154,7 @@
             </a:ln>
             <a:extLst>
               <a:ext uri="{91240B29-F687-4F45-9708-019B960494DF}">
-                <a14:hiddenLine xmlns:a14="http://schemas.microsoft.com/office/drawing/2010/main" w="25400" cap="flat">
+                <a14:hiddenLine xmlns:a14="http://schemas.microsoft.com/office/drawing/2010/main" xmlns="" w="25400" cap="flat">
                   <a:solidFill>
                     <a:srgbClr val="718840"/>
                   </a:solidFill>
@@ -20320,7 +20320,7 @@
             </a:ln>
             <a:extLst>
               <a:ext uri="{909E8E84-426E-40DD-AFC4-6F175D3DCCD1}">
-                <a14:hiddenFill xmlns:a14="http://schemas.microsoft.com/office/drawing/2010/main">
+                <a14:hiddenFill xmlns:a14="http://schemas.microsoft.com/office/drawing/2010/main" xmlns="">
                   <a:solidFill>
                     <a:srgbClr val="FFFFFF"/>
                   </a:solidFill>
@@ -20358,14 +20358,14 @@
             </a:ln>
             <a:extLst>
               <a:ext uri="{909E8E84-426E-40DD-AFC4-6F175D3DCCD1}">
-                <a14:hiddenFill xmlns:a14="http://schemas.microsoft.com/office/drawing/2010/main">
+                <a14:hiddenFill xmlns:a14="http://schemas.microsoft.com/office/drawing/2010/main" xmlns="">
                   <a:solidFill>
                     <a:srgbClr val="FFFFFF"/>
                   </a:solidFill>
                 </a14:hiddenFill>
               </a:ext>
               <a:ext uri="{91240B29-F687-4F45-9708-019B960494DF}">
-                <a14:hiddenLine xmlns:a14="http://schemas.microsoft.com/office/drawing/2010/main" w="12700">
+                <a14:hiddenLine xmlns:a14="http://schemas.microsoft.com/office/drawing/2010/main" xmlns="" w="12700">
                   <a:solidFill>
                     <a:srgbClr val="000000"/>
                   </a:solidFill>
@@ -20416,14 +20416,14 @@
           </a:ln>
           <a:extLst>
             <a:ext uri="{909E8E84-426E-40DD-AFC4-6F175D3DCCD1}">
-              <a14:hiddenFill xmlns:a14="http://schemas.microsoft.com/office/drawing/2010/main">
+              <a14:hiddenFill xmlns:a14="http://schemas.microsoft.com/office/drawing/2010/main" xmlns="">
                 <a:solidFill>
                   <a:srgbClr val="FFFFFF"/>
                 </a:solidFill>
               </a14:hiddenFill>
             </a:ext>
             <a:ext uri="{91240B29-F687-4F45-9708-019B960494DF}">
-              <a14:hiddenLine xmlns:a14="http://schemas.microsoft.com/office/drawing/2010/main" w="12700" cap="rnd">
+              <a14:hiddenLine xmlns:a14="http://schemas.microsoft.com/office/drawing/2010/main" xmlns="" w="12700" cap="rnd">
                 <a:solidFill>
                   <a:srgbClr val="000000"/>
                 </a:solidFill>
@@ -20527,14 +20527,14 @@
           </a:ln>
           <a:extLst>
             <a:ext uri="{909E8E84-426E-40DD-AFC4-6F175D3DCCD1}">
-              <a14:hiddenFill xmlns:a14="http://schemas.microsoft.com/office/drawing/2010/main">
+              <a14:hiddenFill xmlns:a14="http://schemas.microsoft.com/office/drawing/2010/main" xmlns="">
                 <a:solidFill>
                   <a:srgbClr val="FFFFFF"/>
                 </a:solidFill>
               </a14:hiddenFill>
             </a:ext>
             <a:ext uri="{91240B29-F687-4F45-9708-019B960494DF}">
-              <a14:hiddenLine xmlns:a14="http://schemas.microsoft.com/office/drawing/2010/main" w="12700" cap="rnd">
+              <a14:hiddenLine xmlns:a14="http://schemas.microsoft.com/office/drawing/2010/main" xmlns="" w="12700" cap="rnd">
                 <a:solidFill>
                   <a:srgbClr val="000000"/>
                 </a:solidFill>
@@ -20627,14 +20627,14 @@
           </a:ln>
           <a:extLst>
             <a:ext uri="{909E8E84-426E-40DD-AFC4-6F175D3DCCD1}">
-              <a14:hiddenFill xmlns:a14="http://schemas.microsoft.com/office/drawing/2010/main">
+              <a14:hiddenFill xmlns:a14="http://schemas.microsoft.com/office/drawing/2010/main" xmlns="">
                 <a:solidFill>
                   <a:srgbClr val="FFFFFF"/>
                 </a:solidFill>
               </a14:hiddenFill>
             </a:ext>
             <a:ext uri="{91240B29-F687-4F45-9708-019B960494DF}">
-              <a14:hiddenLine xmlns:a14="http://schemas.microsoft.com/office/drawing/2010/main" w="12700" cap="rnd">
+              <a14:hiddenLine xmlns:a14="http://schemas.microsoft.com/office/drawing/2010/main" xmlns="" w="12700" cap="rnd">
                 <a:solidFill>
                   <a:srgbClr val="000000"/>
                 </a:solidFill>
@@ -20739,14 +20739,14 @@
           </a:ln>
           <a:extLst>
             <a:ext uri="{909E8E84-426E-40DD-AFC4-6F175D3DCCD1}">
-              <a14:hiddenFill xmlns:a14="http://schemas.microsoft.com/office/drawing/2010/main">
+              <a14:hiddenFill xmlns:a14="http://schemas.microsoft.com/office/drawing/2010/main" xmlns="">
                 <a:solidFill>
                   <a:srgbClr val="FFFFFF"/>
                 </a:solidFill>
               </a14:hiddenFill>
             </a:ext>
             <a:ext uri="{91240B29-F687-4F45-9708-019B960494DF}">
-              <a14:hiddenLine xmlns:a14="http://schemas.microsoft.com/office/drawing/2010/main" w="12700" cap="rnd">
+              <a14:hiddenLine xmlns:a14="http://schemas.microsoft.com/office/drawing/2010/main" xmlns="" w="12700" cap="rnd">
                 <a:solidFill>
                   <a:srgbClr val="000000"/>
                 </a:solidFill>
@@ -20862,7 +20862,7 @@
           </a:ln>
           <a:extLst>
             <a:ext uri="{909E8E84-426E-40DD-AFC4-6F175D3DCCD1}">
-              <a14:hiddenFill xmlns:a14="http://schemas.microsoft.com/office/drawing/2010/main">
+              <a14:hiddenFill xmlns:a14="http://schemas.microsoft.com/office/drawing/2010/main" xmlns="">
                 <a:solidFill>
                   <a:srgbClr val="FFFFFF"/>
                 </a:solidFill>
@@ -20907,7 +20907,7 @@
           </a:ln>
           <a:extLst>
             <a:ext uri="{909E8E84-426E-40DD-AFC4-6F175D3DCCD1}">
-              <a14:hiddenFill xmlns:a14="http://schemas.microsoft.com/office/drawing/2010/main">
+              <a14:hiddenFill xmlns:a14="http://schemas.microsoft.com/office/drawing/2010/main" xmlns="">
                 <a:solidFill>
                   <a:srgbClr val="FFFFFF"/>
                 </a:solidFill>
@@ -20952,7 +20952,7 @@
           </a:ln>
           <a:extLst>
             <a:ext uri="{909E8E84-426E-40DD-AFC4-6F175D3DCCD1}">
-              <a14:hiddenFill xmlns:a14="http://schemas.microsoft.com/office/drawing/2010/main">
+              <a14:hiddenFill xmlns:a14="http://schemas.microsoft.com/office/drawing/2010/main" xmlns="">
                 <a:solidFill>
                   <a:srgbClr val="FFFFFF"/>
                 </a:solidFill>
@@ -20997,7 +20997,7 @@
           </a:ln>
           <a:extLst>
             <a:ext uri="{909E8E84-426E-40DD-AFC4-6F175D3DCCD1}">
-              <a14:hiddenFill xmlns:a14="http://schemas.microsoft.com/office/drawing/2010/main">
+              <a14:hiddenFill xmlns:a14="http://schemas.microsoft.com/office/drawing/2010/main" xmlns="">
                 <a:solidFill>
                   <a:srgbClr val="FFFFFF"/>
                 </a:solidFill>
@@ -21016,7 +21016,7 @@
     </p:spTree>
     <p:extLst>
       <p:ext uri="{BB962C8B-B14F-4D97-AF65-F5344CB8AC3E}">
-        <p14:creationId xmlns:p14="http://schemas.microsoft.com/office/powerpoint/2010/main" val="2494258831"/>
+        <p14:creationId xmlns:p14="http://schemas.microsoft.com/office/powerpoint/2010/main" xmlns="" val="2494258831"/>
       </p:ext>
     </p:extLst>
   </p:cSld>
@@ -21601,7 +21601,7 @@
     </p:spTree>
     <p:extLst>
       <p:ext uri="{BB962C8B-B14F-4D97-AF65-F5344CB8AC3E}">
-        <p14:creationId xmlns:p14="http://schemas.microsoft.com/office/powerpoint/2010/main" val="383130182"/>
+        <p14:creationId xmlns:p14="http://schemas.microsoft.com/office/powerpoint/2010/main" xmlns="" val="383130182"/>
       </p:ext>
     </p:extLst>
   </p:cSld>
@@ -21683,7 +21683,7 @@
           <a:blip r:embed="rId2">
             <a:extLst>
               <a:ext uri="{28A0092B-C50C-407E-A947-70E740481C1C}">
-                <a14:useLocalDpi xmlns:a14="http://schemas.microsoft.com/office/drawing/2010/main" val="0"/>
+                <a14:useLocalDpi xmlns:a14="http://schemas.microsoft.com/office/drawing/2010/main" xmlns="" val="0"/>
               </a:ext>
             </a:extLst>
           </a:blip>
@@ -21704,7 +21704,7 @@
     </p:spTree>
     <p:extLst>
       <p:ext uri="{BB962C8B-B14F-4D97-AF65-F5344CB8AC3E}">
-        <p14:creationId xmlns:p14="http://schemas.microsoft.com/office/powerpoint/2010/main" val="750492254"/>
+        <p14:creationId xmlns:p14="http://schemas.microsoft.com/office/powerpoint/2010/main" xmlns="" val="750492254"/>
       </p:ext>
     </p:extLst>
   </p:cSld>
@@ -21781,7 +21781,7 @@
           <a:blip r:embed="rId2">
             <a:extLst>
               <a:ext uri="{28A0092B-C50C-407E-A947-70E740481C1C}">
-                <a14:useLocalDpi xmlns:a14="http://schemas.microsoft.com/office/drawing/2010/main" val="0"/>
+                <a14:useLocalDpi xmlns:a14="http://schemas.microsoft.com/office/drawing/2010/main" xmlns="" val="0"/>
               </a:ext>
             </a:extLst>
           </a:blip>
@@ -21802,7 +21802,7 @@
     </p:spTree>
     <p:extLst>
       <p:ext uri="{BB962C8B-B14F-4D97-AF65-F5344CB8AC3E}">
-        <p14:creationId xmlns:p14="http://schemas.microsoft.com/office/powerpoint/2010/main" val="1410441545"/>
+        <p14:creationId xmlns:p14="http://schemas.microsoft.com/office/powerpoint/2010/main" xmlns="" val="1410441545"/>
       </p:ext>
     </p:extLst>
   </p:cSld>
@@ -21862,7 +21862,7 @@
     </p:spTree>
     <p:extLst>
       <p:ext uri="{BB962C8B-B14F-4D97-AF65-F5344CB8AC3E}">
-        <p14:creationId xmlns:p14="http://schemas.microsoft.com/office/powerpoint/2010/main" val="516209503"/>
+        <p14:creationId xmlns:p14="http://schemas.microsoft.com/office/powerpoint/2010/main" xmlns="" val="516209503"/>
       </p:ext>
     </p:extLst>
   </p:cSld>
@@ -22031,7 +22031,7 @@
           <a:blip r:embed="rId2">
             <a:extLst>
               <a:ext uri="{28A0092B-C50C-407E-A947-70E740481C1C}">
-                <a14:useLocalDpi xmlns:a14="http://schemas.microsoft.com/office/drawing/2010/main" val="0"/>
+                <a14:useLocalDpi xmlns:a14="http://schemas.microsoft.com/office/drawing/2010/main" xmlns="" val="0"/>
               </a:ext>
             </a:extLst>
           </a:blip>
@@ -22052,7 +22052,7 @@
     </p:spTree>
     <p:extLst>
       <p:ext uri="{BB962C8B-B14F-4D97-AF65-F5344CB8AC3E}">
-        <p14:creationId xmlns:p14="http://schemas.microsoft.com/office/powerpoint/2010/main" val="3103470910"/>
+        <p14:creationId xmlns:p14="http://schemas.microsoft.com/office/powerpoint/2010/main" xmlns="" val="3103470910"/>
       </p:ext>
     </p:extLst>
   </p:cSld>
@@ -22657,7 +22657,7 @@
     </p:spTree>
     <p:extLst>
       <p:ext uri="{BB962C8B-B14F-4D97-AF65-F5344CB8AC3E}">
-        <p14:creationId xmlns:p14="http://schemas.microsoft.com/office/powerpoint/2010/main" val="3114175434"/>
+        <p14:creationId xmlns:p14="http://schemas.microsoft.com/office/powerpoint/2010/main" xmlns="" val="3114175434"/>
       </p:ext>
     </p:extLst>
   </p:cSld>
@@ -22717,7 +22717,7 @@
     </p:spTree>
     <p:extLst>
       <p:ext uri="{BB962C8B-B14F-4D97-AF65-F5344CB8AC3E}">
-        <p14:creationId xmlns:p14="http://schemas.microsoft.com/office/powerpoint/2010/main" val="2595394932"/>
+        <p14:creationId xmlns:p14="http://schemas.microsoft.com/office/powerpoint/2010/main" xmlns="" val="2595394932"/>
       </p:ext>
     </p:extLst>
   </p:cSld>
@@ -22863,7 +22863,7 @@
     </p:spTree>
     <p:extLst>
       <p:ext uri="{BB962C8B-B14F-4D97-AF65-F5344CB8AC3E}">
-        <p14:creationId xmlns:p14="http://schemas.microsoft.com/office/powerpoint/2010/main" val="879181815"/>
+        <p14:creationId xmlns:p14="http://schemas.microsoft.com/office/powerpoint/2010/main" xmlns="" val="879181815"/>
       </p:ext>
     </p:extLst>
   </p:cSld>
@@ -24615,7 +24615,7 @@
     </p:spTree>
     <p:extLst>
       <p:ext uri="{BB962C8B-B14F-4D97-AF65-F5344CB8AC3E}">
-        <p14:creationId xmlns:p14="http://schemas.microsoft.com/office/powerpoint/2010/main" val="964142297"/>
+        <p14:creationId xmlns:p14="http://schemas.microsoft.com/office/powerpoint/2010/main" xmlns="" val="964142297"/>
       </p:ext>
     </p:extLst>
   </p:cSld>
@@ -24668,7 +24668,7 @@
             </a:duotone>
             <a:extLst>
               <a:ext uri="{28A0092B-C50C-407E-A947-70E740481C1C}">
-                <a14:useLocalDpi xmlns:a14="http://schemas.microsoft.com/office/drawing/2010/main" val="0"/>
+                <a14:useLocalDpi xmlns:a14="http://schemas.microsoft.com/office/drawing/2010/main" xmlns="" val="0"/>
               </a:ext>
             </a:extLst>
           </a:blip>
@@ -24691,14 +24691,14 @@
           </a:ln>
           <a:extLst>
             <a:ext uri="{909E8E84-426E-40DD-AFC4-6F175D3DCCD1}">
-              <a14:hiddenFill xmlns:a14="http://schemas.microsoft.com/office/drawing/2010/main">
+              <a14:hiddenFill xmlns:a14="http://schemas.microsoft.com/office/drawing/2010/main" xmlns="">
                 <a:solidFill>
                   <a:srgbClr val="FFFFFF"/>
                 </a:solidFill>
               </a14:hiddenFill>
             </a:ext>
             <a:ext uri="{91240B29-F687-4F45-9708-019B960494DF}">
-              <a14:hiddenLine xmlns:a14="http://schemas.microsoft.com/office/drawing/2010/main" w="9525">
+              <a14:hiddenLine xmlns:a14="http://schemas.microsoft.com/office/drawing/2010/main" xmlns="" w="9525">
                 <a:solidFill>
                   <a:srgbClr val="000000"/>
                 </a:solidFill>
@@ -25526,7 +25526,7 @@
     </p:spTree>
     <p:extLst>
       <p:ext uri="{BB962C8B-B14F-4D97-AF65-F5344CB8AC3E}">
-        <p14:creationId xmlns:p14="http://schemas.microsoft.com/office/powerpoint/2010/main" val="2580166020"/>
+        <p14:creationId xmlns:p14="http://schemas.microsoft.com/office/powerpoint/2010/main" xmlns="" val="2580166020"/>
       </p:ext>
     </p:extLst>
   </p:cSld>
@@ -25757,7 +25757,7 @@
             </a:ln>
             <a:extLst>
               <a:ext uri="{91240B29-F687-4F45-9708-019B960494DF}">
-                <a14:hiddenLine xmlns:a14="http://schemas.microsoft.com/office/drawing/2010/main" w="25400" cap="flat">
+                <a14:hiddenLine xmlns:a14="http://schemas.microsoft.com/office/drawing/2010/main" xmlns="" w="25400" cap="flat">
                   <a:solidFill>
                     <a:srgbClr val="718840"/>
                   </a:solidFill>
@@ -25867,7 +25867,7 @@
             </a:ln>
             <a:extLst>
               <a:ext uri="{91240B29-F687-4F45-9708-019B960494DF}">
-                <a14:hiddenLine xmlns:a14="http://schemas.microsoft.com/office/drawing/2010/main" w="25400" cap="flat">
+                <a14:hiddenLine xmlns:a14="http://schemas.microsoft.com/office/drawing/2010/main" xmlns="" w="25400" cap="flat">
                   <a:solidFill>
                     <a:srgbClr val="718840"/>
                   </a:solidFill>
@@ -25977,7 +25977,7 @@
             </a:ln>
             <a:extLst>
               <a:ext uri="{91240B29-F687-4F45-9708-019B960494DF}">
-                <a14:hiddenLine xmlns:a14="http://schemas.microsoft.com/office/drawing/2010/main" w="25400" cap="flat">
+                <a14:hiddenLine xmlns:a14="http://schemas.microsoft.com/office/drawing/2010/main" xmlns="" w="25400" cap="flat">
                   <a:solidFill>
                     <a:srgbClr val="718840"/>
                   </a:solidFill>
@@ -26143,7 +26143,7 @@
             </a:ln>
             <a:extLst>
               <a:ext uri="{909E8E84-426E-40DD-AFC4-6F175D3DCCD1}">
-                <a14:hiddenFill xmlns:a14="http://schemas.microsoft.com/office/drawing/2010/main">
+                <a14:hiddenFill xmlns:a14="http://schemas.microsoft.com/office/drawing/2010/main" xmlns="">
                   <a:solidFill>
                     <a:srgbClr val="FFFFFF"/>
                   </a:solidFill>
@@ -26181,14 +26181,14 @@
             </a:ln>
             <a:extLst>
               <a:ext uri="{909E8E84-426E-40DD-AFC4-6F175D3DCCD1}">
-                <a14:hiddenFill xmlns:a14="http://schemas.microsoft.com/office/drawing/2010/main">
+                <a14:hiddenFill xmlns:a14="http://schemas.microsoft.com/office/drawing/2010/main" xmlns="">
                   <a:solidFill>
                     <a:srgbClr val="FFFFFF"/>
                   </a:solidFill>
                 </a14:hiddenFill>
               </a:ext>
               <a:ext uri="{91240B29-F687-4F45-9708-019B960494DF}">
-                <a14:hiddenLine xmlns:a14="http://schemas.microsoft.com/office/drawing/2010/main" w="12700">
+                <a14:hiddenLine xmlns:a14="http://schemas.microsoft.com/office/drawing/2010/main" xmlns="" w="12700">
                   <a:solidFill>
                     <a:srgbClr val="000000"/>
                   </a:solidFill>
@@ -26340,7 +26340,7 @@
             </a:ln>
             <a:extLst>
               <a:ext uri="{91240B29-F687-4F45-9708-019B960494DF}">
-                <a14:hiddenLine xmlns:a14="http://schemas.microsoft.com/office/drawing/2010/main" w="25400" cap="flat">
+                <a14:hiddenLine xmlns:a14="http://schemas.microsoft.com/office/drawing/2010/main" xmlns="" w="25400" cap="flat">
                   <a:solidFill>
                     <a:srgbClr val="718840"/>
                   </a:solidFill>
@@ -26450,7 +26450,7 @@
             </a:ln>
             <a:extLst>
               <a:ext uri="{91240B29-F687-4F45-9708-019B960494DF}">
-                <a14:hiddenLine xmlns:a14="http://schemas.microsoft.com/office/drawing/2010/main" w="25400" cap="flat">
+                <a14:hiddenLine xmlns:a14="http://schemas.microsoft.com/office/drawing/2010/main" xmlns="" w="25400" cap="flat">
                   <a:solidFill>
                     <a:srgbClr val="718840"/>
                   </a:solidFill>
@@ -26560,7 +26560,7 @@
             </a:ln>
             <a:extLst>
               <a:ext uri="{91240B29-F687-4F45-9708-019B960494DF}">
-                <a14:hiddenLine xmlns:a14="http://schemas.microsoft.com/office/drawing/2010/main" w="25400" cap="flat">
+                <a14:hiddenLine xmlns:a14="http://schemas.microsoft.com/office/drawing/2010/main" xmlns="" w="25400" cap="flat">
                   <a:solidFill>
                     <a:srgbClr val="718840"/>
                   </a:solidFill>
@@ -26726,7 +26726,7 @@
             </a:ln>
             <a:extLst>
               <a:ext uri="{909E8E84-426E-40DD-AFC4-6F175D3DCCD1}">
-                <a14:hiddenFill xmlns:a14="http://schemas.microsoft.com/office/drawing/2010/main">
+                <a14:hiddenFill xmlns:a14="http://schemas.microsoft.com/office/drawing/2010/main" xmlns="">
                   <a:solidFill>
                     <a:srgbClr val="FFFFFF"/>
                   </a:solidFill>
@@ -26764,14 +26764,14 @@
             </a:ln>
             <a:extLst>
               <a:ext uri="{909E8E84-426E-40DD-AFC4-6F175D3DCCD1}">
-                <a14:hiddenFill xmlns:a14="http://schemas.microsoft.com/office/drawing/2010/main">
+                <a14:hiddenFill xmlns:a14="http://schemas.microsoft.com/office/drawing/2010/main" xmlns="">
                   <a:solidFill>
                     <a:srgbClr val="FFFFFF"/>
                   </a:solidFill>
                 </a14:hiddenFill>
               </a:ext>
               <a:ext uri="{91240B29-F687-4F45-9708-019B960494DF}">
-                <a14:hiddenLine xmlns:a14="http://schemas.microsoft.com/office/drawing/2010/main" w="12700">
+                <a14:hiddenLine xmlns:a14="http://schemas.microsoft.com/office/drawing/2010/main" xmlns="" w="12700">
                   <a:solidFill>
                     <a:srgbClr val="000000"/>
                   </a:solidFill>
@@ -26923,7 +26923,7 @@
             </a:ln>
             <a:extLst>
               <a:ext uri="{91240B29-F687-4F45-9708-019B960494DF}">
-                <a14:hiddenLine xmlns:a14="http://schemas.microsoft.com/office/drawing/2010/main" w="25400" cap="flat">
+                <a14:hiddenLine xmlns:a14="http://schemas.microsoft.com/office/drawing/2010/main" xmlns="" w="25400" cap="flat">
                   <a:solidFill>
                     <a:srgbClr val="718840"/>
                   </a:solidFill>
@@ -27033,7 +27033,7 @@
             </a:ln>
             <a:extLst>
               <a:ext uri="{91240B29-F687-4F45-9708-019B960494DF}">
-                <a14:hiddenLine xmlns:a14="http://schemas.microsoft.com/office/drawing/2010/main" w="25400" cap="flat">
+                <a14:hiddenLine xmlns:a14="http://schemas.microsoft.com/office/drawing/2010/main" xmlns="" w="25400" cap="flat">
                   <a:solidFill>
                     <a:srgbClr val="718840"/>
                   </a:solidFill>
@@ -27143,7 +27143,7 @@
             </a:ln>
             <a:extLst>
               <a:ext uri="{91240B29-F687-4F45-9708-019B960494DF}">
-                <a14:hiddenLine xmlns:a14="http://schemas.microsoft.com/office/drawing/2010/main" w="25400" cap="flat">
+                <a14:hiddenLine xmlns:a14="http://schemas.microsoft.com/office/drawing/2010/main" xmlns="" w="25400" cap="flat">
                   <a:solidFill>
                     <a:srgbClr val="718840"/>
                   </a:solidFill>
@@ -27309,7 +27309,7 @@
             </a:ln>
             <a:extLst>
               <a:ext uri="{909E8E84-426E-40DD-AFC4-6F175D3DCCD1}">
-                <a14:hiddenFill xmlns:a14="http://schemas.microsoft.com/office/drawing/2010/main">
+                <a14:hiddenFill xmlns:a14="http://schemas.microsoft.com/office/drawing/2010/main" xmlns="">
                   <a:solidFill>
                     <a:srgbClr val="FFFFFF"/>
                   </a:solidFill>
@@ -27347,14 +27347,14 @@
             </a:ln>
             <a:extLst>
               <a:ext uri="{909E8E84-426E-40DD-AFC4-6F175D3DCCD1}">
-                <a14:hiddenFill xmlns:a14="http://schemas.microsoft.com/office/drawing/2010/main">
+                <a14:hiddenFill xmlns:a14="http://schemas.microsoft.com/office/drawing/2010/main" xmlns="">
                   <a:solidFill>
                     <a:srgbClr val="FFFFFF"/>
                   </a:solidFill>
                 </a14:hiddenFill>
               </a:ext>
               <a:ext uri="{91240B29-F687-4F45-9708-019B960494DF}">
-                <a14:hiddenLine xmlns:a14="http://schemas.microsoft.com/office/drawing/2010/main" w="12700">
+                <a14:hiddenLine xmlns:a14="http://schemas.microsoft.com/office/drawing/2010/main" xmlns="" w="12700">
                   <a:solidFill>
                     <a:srgbClr val="000000"/>
                   </a:solidFill>
@@ -27506,7 +27506,7 @@
             </a:ln>
             <a:extLst>
               <a:ext uri="{91240B29-F687-4F45-9708-019B960494DF}">
-                <a14:hiddenLine xmlns:a14="http://schemas.microsoft.com/office/drawing/2010/main" w="25400" cap="flat">
+                <a14:hiddenLine xmlns:a14="http://schemas.microsoft.com/office/drawing/2010/main" xmlns="" w="25400" cap="flat">
                   <a:solidFill>
                     <a:srgbClr val="718840"/>
                   </a:solidFill>
@@ -27616,7 +27616,7 @@
             </a:ln>
             <a:extLst>
               <a:ext uri="{91240B29-F687-4F45-9708-019B960494DF}">
-                <a14:hiddenLine xmlns:a14="http://schemas.microsoft.com/office/drawing/2010/main" w="25400" cap="flat">
+                <a14:hiddenLine xmlns:a14="http://schemas.microsoft.com/office/drawing/2010/main" xmlns="" w="25400" cap="flat">
                   <a:solidFill>
                     <a:srgbClr val="718840"/>
                   </a:solidFill>
@@ -27726,7 +27726,7 @@
             </a:ln>
             <a:extLst>
               <a:ext uri="{91240B29-F687-4F45-9708-019B960494DF}">
-                <a14:hiddenLine xmlns:a14="http://schemas.microsoft.com/office/drawing/2010/main" w="25400" cap="flat">
+                <a14:hiddenLine xmlns:a14="http://schemas.microsoft.com/office/drawing/2010/main" xmlns="" w="25400" cap="flat">
                   <a:solidFill>
                     <a:srgbClr val="718840"/>
                   </a:solidFill>
@@ -27892,7 +27892,7 @@
             </a:ln>
             <a:extLst>
               <a:ext uri="{909E8E84-426E-40DD-AFC4-6F175D3DCCD1}">
-                <a14:hiddenFill xmlns:a14="http://schemas.microsoft.com/office/drawing/2010/main">
+                <a14:hiddenFill xmlns:a14="http://schemas.microsoft.com/office/drawing/2010/main" xmlns="">
                   <a:solidFill>
                     <a:srgbClr val="FFFFFF"/>
                   </a:solidFill>
@@ -27930,14 +27930,14 @@
             </a:ln>
             <a:extLst>
               <a:ext uri="{909E8E84-426E-40DD-AFC4-6F175D3DCCD1}">
-                <a14:hiddenFill xmlns:a14="http://schemas.microsoft.com/office/drawing/2010/main">
+                <a14:hiddenFill xmlns:a14="http://schemas.microsoft.com/office/drawing/2010/main" xmlns="">
                   <a:solidFill>
                     <a:srgbClr val="FFFFFF"/>
                   </a:solidFill>
                 </a14:hiddenFill>
               </a:ext>
               <a:ext uri="{91240B29-F687-4F45-9708-019B960494DF}">
-                <a14:hiddenLine xmlns:a14="http://schemas.microsoft.com/office/drawing/2010/main" w="12700">
+                <a14:hiddenLine xmlns:a14="http://schemas.microsoft.com/office/drawing/2010/main" xmlns="" w="12700">
                   <a:solidFill>
                     <a:srgbClr val="000000"/>
                   </a:solidFill>
@@ -27995,7 +27995,7 @@
           </a:ln>
           <a:extLst>
             <a:ext uri="{909E8E84-426E-40DD-AFC4-6F175D3DCCD1}">
-              <a14:hiddenFill xmlns:a14="http://schemas.microsoft.com/office/drawing/2010/main">
+              <a14:hiddenFill xmlns:a14="http://schemas.microsoft.com/office/drawing/2010/main" xmlns="">
                 <a:solidFill>
                   <a:srgbClr val="FFFFFF"/>
                 </a:solidFill>
@@ -28040,7 +28040,7 @@
           </a:ln>
           <a:extLst>
             <a:ext uri="{909E8E84-426E-40DD-AFC4-6F175D3DCCD1}">
-              <a14:hiddenFill xmlns:a14="http://schemas.microsoft.com/office/drawing/2010/main">
+              <a14:hiddenFill xmlns:a14="http://schemas.microsoft.com/office/drawing/2010/main" xmlns="">
                 <a:solidFill>
                   <a:srgbClr val="FFFFFF"/>
                 </a:solidFill>
@@ -28085,7 +28085,7 @@
           </a:ln>
           <a:extLst>
             <a:ext uri="{909E8E84-426E-40DD-AFC4-6F175D3DCCD1}">
-              <a14:hiddenFill xmlns:a14="http://schemas.microsoft.com/office/drawing/2010/main">
+              <a14:hiddenFill xmlns:a14="http://schemas.microsoft.com/office/drawing/2010/main" xmlns="">
                 <a:solidFill>
                   <a:srgbClr val="FFFFFF"/>
                 </a:solidFill>
@@ -28130,7 +28130,7 @@
           </a:ln>
           <a:extLst>
             <a:ext uri="{909E8E84-426E-40DD-AFC4-6F175D3DCCD1}">
-              <a14:hiddenFill xmlns:a14="http://schemas.microsoft.com/office/drawing/2010/main">
+              <a14:hiddenFill xmlns:a14="http://schemas.microsoft.com/office/drawing/2010/main" xmlns="">
                 <a:solidFill>
                   <a:srgbClr val="FFFFFF"/>
                 </a:solidFill>
@@ -28529,7 +28529,7 @@
     </p:spTree>
     <p:extLst>
       <p:ext uri="{BB962C8B-B14F-4D97-AF65-F5344CB8AC3E}">
-        <p14:creationId xmlns:p14="http://schemas.microsoft.com/office/powerpoint/2010/main" val="950174818"/>
+        <p14:creationId xmlns:p14="http://schemas.microsoft.com/office/powerpoint/2010/main" xmlns="" val="950174818"/>
       </p:ext>
     </p:extLst>
   </p:cSld>
@@ -28591,13 +28591,8 @@
           <a:p>
             <a:r>
               <a:rPr lang="en-US" dirty="0" smtClean="0"/>
-              <a:t>2 shards of 20 TB </a:t>
+              <a:t>2 shards of 20 TB each</a:t>
             </a:r>
-            <a:r>
-              <a:rPr lang="en-US" dirty="0" smtClean="0"/>
-              <a:t>each</a:t>
-            </a:r>
-            <a:endParaRPr lang="en-US" dirty="0" smtClean="0"/>
           </a:p>
         </p:txBody>
       </p:sp>
@@ -28747,7 +28742,7 @@
             </a:ln>
             <a:extLst>
               <a:ext uri="{91240B29-F687-4F45-9708-019B960494DF}">
-                <a14:hiddenLine xmlns:a14="http://schemas.microsoft.com/office/drawing/2010/main" w="25400" cap="flat">
+                <a14:hiddenLine xmlns:a14="http://schemas.microsoft.com/office/drawing/2010/main" xmlns="" w="25400" cap="flat">
                   <a:solidFill>
                     <a:srgbClr val="718840"/>
                   </a:solidFill>
@@ -28857,7 +28852,7 @@
             </a:ln>
             <a:extLst>
               <a:ext uri="{91240B29-F687-4F45-9708-019B960494DF}">
-                <a14:hiddenLine xmlns:a14="http://schemas.microsoft.com/office/drawing/2010/main" w="25400" cap="flat">
+                <a14:hiddenLine xmlns:a14="http://schemas.microsoft.com/office/drawing/2010/main" xmlns="" w="25400" cap="flat">
                   <a:solidFill>
                     <a:srgbClr val="718840"/>
                   </a:solidFill>
@@ -28967,7 +28962,7 @@
             </a:ln>
             <a:extLst>
               <a:ext uri="{91240B29-F687-4F45-9708-019B960494DF}">
-                <a14:hiddenLine xmlns:a14="http://schemas.microsoft.com/office/drawing/2010/main" w="25400" cap="flat">
+                <a14:hiddenLine xmlns:a14="http://schemas.microsoft.com/office/drawing/2010/main" xmlns="" w="25400" cap="flat">
                   <a:solidFill>
                     <a:srgbClr val="718840"/>
                   </a:solidFill>
@@ -29133,7 +29128,7 @@
             </a:ln>
             <a:extLst>
               <a:ext uri="{909E8E84-426E-40DD-AFC4-6F175D3DCCD1}">
-                <a14:hiddenFill xmlns:a14="http://schemas.microsoft.com/office/drawing/2010/main">
+                <a14:hiddenFill xmlns:a14="http://schemas.microsoft.com/office/drawing/2010/main" xmlns="">
                   <a:solidFill>
                     <a:srgbClr val="FFFFFF"/>
                   </a:solidFill>
@@ -29171,14 +29166,14 @@
             </a:ln>
             <a:extLst>
               <a:ext uri="{909E8E84-426E-40DD-AFC4-6F175D3DCCD1}">
-                <a14:hiddenFill xmlns:a14="http://schemas.microsoft.com/office/drawing/2010/main">
+                <a14:hiddenFill xmlns:a14="http://schemas.microsoft.com/office/drawing/2010/main" xmlns="">
                   <a:solidFill>
                     <a:srgbClr val="FFFFFF"/>
                   </a:solidFill>
                 </a14:hiddenFill>
               </a:ext>
               <a:ext uri="{91240B29-F687-4F45-9708-019B960494DF}">
-                <a14:hiddenLine xmlns:a14="http://schemas.microsoft.com/office/drawing/2010/main" w="12700">
+                <a14:hiddenLine xmlns:a14="http://schemas.microsoft.com/office/drawing/2010/main" xmlns="" w="12700">
                   <a:solidFill>
                     <a:srgbClr val="000000"/>
                   </a:solidFill>
@@ -29330,7 +29325,7 @@
             </a:ln>
             <a:extLst>
               <a:ext uri="{91240B29-F687-4F45-9708-019B960494DF}">
-                <a14:hiddenLine xmlns:a14="http://schemas.microsoft.com/office/drawing/2010/main" w="25400" cap="flat">
+                <a14:hiddenLine xmlns:a14="http://schemas.microsoft.com/office/drawing/2010/main" xmlns="" w="25400" cap="flat">
                   <a:solidFill>
                     <a:srgbClr val="718840"/>
                   </a:solidFill>
@@ -29440,7 +29435,7 @@
             </a:ln>
             <a:extLst>
               <a:ext uri="{91240B29-F687-4F45-9708-019B960494DF}">
-                <a14:hiddenLine xmlns:a14="http://schemas.microsoft.com/office/drawing/2010/main" w="25400" cap="flat">
+                <a14:hiddenLine xmlns:a14="http://schemas.microsoft.com/office/drawing/2010/main" xmlns="" w="25400" cap="flat">
                   <a:solidFill>
                     <a:srgbClr val="718840"/>
                   </a:solidFill>
@@ -29550,7 +29545,7 @@
             </a:ln>
             <a:extLst>
               <a:ext uri="{91240B29-F687-4F45-9708-019B960494DF}">
-                <a14:hiddenLine xmlns:a14="http://schemas.microsoft.com/office/drawing/2010/main" w="25400" cap="flat">
+                <a14:hiddenLine xmlns:a14="http://schemas.microsoft.com/office/drawing/2010/main" xmlns="" w="25400" cap="flat">
                   <a:solidFill>
                     <a:srgbClr val="718840"/>
                   </a:solidFill>
@@ -29716,7 +29711,7 @@
             </a:ln>
             <a:extLst>
               <a:ext uri="{909E8E84-426E-40DD-AFC4-6F175D3DCCD1}">
-                <a14:hiddenFill xmlns:a14="http://schemas.microsoft.com/office/drawing/2010/main">
+                <a14:hiddenFill xmlns:a14="http://schemas.microsoft.com/office/drawing/2010/main" xmlns="">
                   <a:solidFill>
                     <a:srgbClr val="FFFFFF"/>
                   </a:solidFill>
@@ -29754,14 +29749,14 @@
             </a:ln>
             <a:extLst>
               <a:ext uri="{909E8E84-426E-40DD-AFC4-6F175D3DCCD1}">
-                <a14:hiddenFill xmlns:a14="http://schemas.microsoft.com/office/drawing/2010/main">
+                <a14:hiddenFill xmlns:a14="http://schemas.microsoft.com/office/drawing/2010/main" xmlns="">
                   <a:solidFill>
                     <a:srgbClr val="FFFFFF"/>
                   </a:solidFill>
                 </a14:hiddenFill>
               </a:ext>
               <a:ext uri="{91240B29-F687-4F45-9708-019B960494DF}">
-                <a14:hiddenLine xmlns:a14="http://schemas.microsoft.com/office/drawing/2010/main" w="12700">
+                <a14:hiddenLine xmlns:a14="http://schemas.microsoft.com/office/drawing/2010/main" xmlns="" w="12700">
                   <a:solidFill>
                     <a:srgbClr val="000000"/>
                   </a:solidFill>
@@ -29819,7 +29814,7 @@
           </a:ln>
           <a:extLst>
             <a:ext uri="{909E8E84-426E-40DD-AFC4-6F175D3DCCD1}">
-              <a14:hiddenFill xmlns:a14="http://schemas.microsoft.com/office/drawing/2010/main">
+              <a14:hiddenFill xmlns:a14="http://schemas.microsoft.com/office/drawing/2010/main" xmlns="">
                 <a:solidFill>
                   <a:srgbClr val="FFFFFF"/>
                 </a:solidFill>
@@ -29864,7 +29859,7 @@
           </a:ln>
           <a:extLst>
             <a:ext uri="{909E8E84-426E-40DD-AFC4-6F175D3DCCD1}">
-              <a14:hiddenFill xmlns:a14="http://schemas.microsoft.com/office/drawing/2010/main">
+              <a14:hiddenFill xmlns:a14="http://schemas.microsoft.com/office/drawing/2010/main" xmlns="">
                 <a:solidFill>
                   <a:srgbClr val="FFFFFF"/>
                 </a:solidFill>
@@ -29947,7 +29942,7 @@
     </p:spTree>
     <p:extLst>
       <p:ext uri="{BB962C8B-B14F-4D97-AF65-F5344CB8AC3E}">
-        <p14:creationId xmlns:p14="http://schemas.microsoft.com/office/powerpoint/2010/main" val="650892742"/>
+        <p14:creationId xmlns:p14="http://schemas.microsoft.com/office/powerpoint/2010/main" xmlns="" val="650892742"/>
       </p:ext>
     </p:extLst>
   </p:cSld>
@@ -30169,7 +30164,7 @@
             </a:ln>
             <a:extLst>
               <a:ext uri="{91240B29-F687-4F45-9708-019B960494DF}">
-                <a14:hiddenLine xmlns:a14="http://schemas.microsoft.com/office/drawing/2010/main" w="25400" cap="flat">
+                <a14:hiddenLine xmlns:a14="http://schemas.microsoft.com/office/drawing/2010/main" xmlns="" w="25400" cap="flat">
                   <a:solidFill>
                     <a:srgbClr val="718840"/>
                   </a:solidFill>
@@ -30279,7 +30274,7 @@
             </a:ln>
             <a:extLst>
               <a:ext uri="{91240B29-F687-4F45-9708-019B960494DF}">
-                <a14:hiddenLine xmlns:a14="http://schemas.microsoft.com/office/drawing/2010/main" w="25400" cap="flat">
+                <a14:hiddenLine xmlns:a14="http://schemas.microsoft.com/office/drawing/2010/main" xmlns="" w="25400" cap="flat">
                   <a:solidFill>
                     <a:srgbClr val="718840"/>
                   </a:solidFill>
@@ -30389,7 +30384,7 @@
             </a:ln>
             <a:extLst>
               <a:ext uri="{91240B29-F687-4F45-9708-019B960494DF}">
-                <a14:hiddenLine xmlns:a14="http://schemas.microsoft.com/office/drawing/2010/main" w="25400" cap="flat">
+                <a14:hiddenLine xmlns:a14="http://schemas.microsoft.com/office/drawing/2010/main" xmlns="" w="25400" cap="flat">
                   <a:solidFill>
                     <a:srgbClr val="718840"/>
                   </a:solidFill>
@@ -30555,7 +30550,7 @@
             </a:ln>
             <a:extLst>
               <a:ext uri="{909E8E84-426E-40DD-AFC4-6F175D3DCCD1}">
-                <a14:hiddenFill xmlns:a14="http://schemas.microsoft.com/office/drawing/2010/main">
+                <a14:hiddenFill xmlns:a14="http://schemas.microsoft.com/office/drawing/2010/main" xmlns="">
                   <a:solidFill>
                     <a:srgbClr val="FFFFFF"/>
                   </a:solidFill>
@@ -30593,14 +30588,14 @@
             </a:ln>
             <a:extLst>
               <a:ext uri="{909E8E84-426E-40DD-AFC4-6F175D3DCCD1}">
-                <a14:hiddenFill xmlns:a14="http://schemas.microsoft.com/office/drawing/2010/main">
+                <a14:hiddenFill xmlns:a14="http://schemas.microsoft.com/office/drawing/2010/main" xmlns="">
                   <a:solidFill>
                     <a:srgbClr val="FFFFFF"/>
                   </a:solidFill>
                 </a14:hiddenFill>
               </a:ext>
               <a:ext uri="{91240B29-F687-4F45-9708-019B960494DF}">
-                <a14:hiddenLine xmlns:a14="http://schemas.microsoft.com/office/drawing/2010/main" w="12700">
+                <a14:hiddenLine xmlns:a14="http://schemas.microsoft.com/office/drawing/2010/main" xmlns="" w="12700">
                   <a:solidFill>
                     <a:srgbClr val="000000"/>
                   </a:solidFill>
@@ -30752,7 +30747,7 @@
             </a:ln>
             <a:extLst>
               <a:ext uri="{91240B29-F687-4F45-9708-019B960494DF}">
-                <a14:hiddenLine xmlns:a14="http://schemas.microsoft.com/office/drawing/2010/main" w="25400" cap="flat">
+                <a14:hiddenLine xmlns:a14="http://schemas.microsoft.com/office/drawing/2010/main" xmlns="" w="25400" cap="flat">
                   <a:solidFill>
                     <a:srgbClr val="718840"/>
                   </a:solidFill>
@@ -30862,7 +30857,7 @@
             </a:ln>
             <a:extLst>
               <a:ext uri="{91240B29-F687-4F45-9708-019B960494DF}">
-                <a14:hiddenLine xmlns:a14="http://schemas.microsoft.com/office/drawing/2010/main" w="25400" cap="flat">
+                <a14:hiddenLine xmlns:a14="http://schemas.microsoft.com/office/drawing/2010/main" xmlns="" w="25400" cap="flat">
                   <a:solidFill>
                     <a:srgbClr val="718840"/>
                   </a:solidFill>
@@ -30972,7 +30967,7 @@
             </a:ln>
             <a:extLst>
               <a:ext uri="{91240B29-F687-4F45-9708-019B960494DF}">
-                <a14:hiddenLine xmlns:a14="http://schemas.microsoft.com/office/drawing/2010/main" w="25400" cap="flat">
+                <a14:hiddenLine xmlns:a14="http://schemas.microsoft.com/office/drawing/2010/main" xmlns="" w="25400" cap="flat">
                   <a:solidFill>
                     <a:srgbClr val="718840"/>
                   </a:solidFill>
@@ -31138,7 +31133,7 @@
             </a:ln>
             <a:extLst>
               <a:ext uri="{909E8E84-426E-40DD-AFC4-6F175D3DCCD1}">
-                <a14:hiddenFill xmlns:a14="http://schemas.microsoft.com/office/drawing/2010/main">
+                <a14:hiddenFill xmlns:a14="http://schemas.microsoft.com/office/drawing/2010/main" xmlns="">
                   <a:solidFill>
                     <a:srgbClr val="FFFFFF"/>
                   </a:solidFill>
@@ -31176,14 +31171,14 @@
             </a:ln>
             <a:extLst>
               <a:ext uri="{909E8E84-426E-40DD-AFC4-6F175D3DCCD1}">
-                <a14:hiddenFill xmlns:a14="http://schemas.microsoft.com/office/drawing/2010/main">
+                <a14:hiddenFill xmlns:a14="http://schemas.microsoft.com/office/drawing/2010/main" xmlns="">
                   <a:solidFill>
                     <a:srgbClr val="FFFFFF"/>
                   </a:solidFill>
                 </a14:hiddenFill>
               </a:ext>
               <a:ext uri="{91240B29-F687-4F45-9708-019B960494DF}">
-                <a14:hiddenLine xmlns:a14="http://schemas.microsoft.com/office/drawing/2010/main" w="12700">
+                <a14:hiddenLine xmlns:a14="http://schemas.microsoft.com/office/drawing/2010/main" xmlns="" w="12700">
                   <a:solidFill>
                     <a:srgbClr val="000000"/>
                   </a:solidFill>
@@ -31241,7 +31236,7 @@
           </a:ln>
           <a:extLst>
             <a:ext uri="{909E8E84-426E-40DD-AFC4-6F175D3DCCD1}">
-              <a14:hiddenFill xmlns:a14="http://schemas.microsoft.com/office/drawing/2010/main">
+              <a14:hiddenFill xmlns:a14="http://schemas.microsoft.com/office/drawing/2010/main" xmlns="">
                 <a:solidFill>
                   <a:srgbClr val="FFFFFF"/>
                 </a:solidFill>
@@ -31286,7 +31281,7 @@
           </a:ln>
           <a:extLst>
             <a:ext uri="{909E8E84-426E-40DD-AFC4-6F175D3DCCD1}">
-              <a14:hiddenFill xmlns:a14="http://schemas.microsoft.com/office/drawing/2010/main">
+              <a14:hiddenFill xmlns:a14="http://schemas.microsoft.com/office/drawing/2010/main" xmlns="">
                 <a:solidFill>
                   <a:srgbClr val="FFFFFF"/>
                 </a:solidFill>
@@ -31497,7 +31492,7 @@
             </a:ln>
             <a:extLst>
               <a:ext uri="{91240B29-F687-4F45-9708-019B960494DF}">
-                <a14:hiddenLine xmlns:a14="http://schemas.microsoft.com/office/drawing/2010/main" w="25400" cap="flat">
+                <a14:hiddenLine xmlns:a14="http://schemas.microsoft.com/office/drawing/2010/main" xmlns="" w="25400" cap="flat">
                   <a:solidFill>
                     <a:srgbClr val="718840"/>
                   </a:solidFill>
@@ -31607,7 +31602,7 @@
             </a:ln>
             <a:extLst>
               <a:ext uri="{91240B29-F687-4F45-9708-019B960494DF}">
-                <a14:hiddenLine xmlns:a14="http://schemas.microsoft.com/office/drawing/2010/main" w="25400" cap="flat">
+                <a14:hiddenLine xmlns:a14="http://schemas.microsoft.com/office/drawing/2010/main" xmlns="" w="25400" cap="flat">
                   <a:solidFill>
                     <a:srgbClr val="718840"/>
                   </a:solidFill>
@@ -31717,7 +31712,7 @@
             </a:ln>
             <a:extLst>
               <a:ext uri="{91240B29-F687-4F45-9708-019B960494DF}">
-                <a14:hiddenLine xmlns:a14="http://schemas.microsoft.com/office/drawing/2010/main" w="25400" cap="flat">
+                <a14:hiddenLine xmlns:a14="http://schemas.microsoft.com/office/drawing/2010/main" xmlns="" w="25400" cap="flat">
                   <a:solidFill>
                     <a:srgbClr val="718840"/>
                   </a:solidFill>
@@ -31883,7 +31878,7 @@
             </a:ln>
             <a:extLst>
               <a:ext uri="{909E8E84-426E-40DD-AFC4-6F175D3DCCD1}">
-                <a14:hiddenFill xmlns:a14="http://schemas.microsoft.com/office/drawing/2010/main">
+                <a14:hiddenFill xmlns:a14="http://schemas.microsoft.com/office/drawing/2010/main" xmlns="">
                   <a:solidFill>
                     <a:srgbClr val="FFFFFF"/>
                   </a:solidFill>
@@ -31921,14 +31916,14 @@
             </a:ln>
             <a:extLst>
               <a:ext uri="{909E8E84-426E-40DD-AFC4-6F175D3DCCD1}">
-                <a14:hiddenFill xmlns:a14="http://schemas.microsoft.com/office/drawing/2010/main">
+                <a14:hiddenFill xmlns:a14="http://schemas.microsoft.com/office/drawing/2010/main" xmlns="">
                   <a:solidFill>
                     <a:srgbClr val="FFFFFF"/>
                   </a:solidFill>
                 </a14:hiddenFill>
               </a:ext>
               <a:ext uri="{91240B29-F687-4F45-9708-019B960494DF}">
-                <a14:hiddenLine xmlns:a14="http://schemas.microsoft.com/office/drawing/2010/main" w="12700">
+                <a14:hiddenLine xmlns:a14="http://schemas.microsoft.com/office/drawing/2010/main" xmlns="" w="12700">
                   <a:solidFill>
                     <a:srgbClr val="000000"/>
                   </a:solidFill>
@@ -32080,7 +32075,7 @@
             </a:ln>
             <a:extLst>
               <a:ext uri="{91240B29-F687-4F45-9708-019B960494DF}">
-                <a14:hiddenLine xmlns:a14="http://schemas.microsoft.com/office/drawing/2010/main" w="25400" cap="flat">
+                <a14:hiddenLine xmlns:a14="http://schemas.microsoft.com/office/drawing/2010/main" xmlns="" w="25400" cap="flat">
                   <a:solidFill>
                     <a:srgbClr val="718840"/>
                   </a:solidFill>
@@ -32190,7 +32185,7 @@
             </a:ln>
             <a:extLst>
               <a:ext uri="{91240B29-F687-4F45-9708-019B960494DF}">
-                <a14:hiddenLine xmlns:a14="http://schemas.microsoft.com/office/drawing/2010/main" w="25400" cap="flat">
+                <a14:hiddenLine xmlns:a14="http://schemas.microsoft.com/office/drawing/2010/main" xmlns="" w="25400" cap="flat">
                   <a:solidFill>
                     <a:srgbClr val="718840"/>
                   </a:solidFill>
@@ -32300,7 +32295,7 @@
             </a:ln>
             <a:extLst>
               <a:ext uri="{91240B29-F687-4F45-9708-019B960494DF}">
-                <a14:hiddenLine xmlns:a14="http://schemas.microsoft.com/office/drawing/2010/main" w="25400" cap="flat">
+                <a14:hiddenLine xmlns:a14="http://schemas.microsoft.com/office/drawing/2010/main" xmlns="" w="25400" cap="flat">
                   <a:solidFill>
                     <a:srgbClr val="718840"/>
                   </a:solidFill>
@@ -32466,7 +32461,7 @@
             </a:ln>
             <a:extLst>
               <a:ext uri="{909E8E84-426E-40DD-AFC4-6F175D3DCCD1}">
-                <a14:hiddenFill xmlns:a14="http://schemas.microsoft.com/office/drawing/2010/main">
+                <a14:hiddenFill xmlns:a14="http://schemas.microsoft.com/office/drawing/2010/main" xmlns="">
                   <a:solidFill>
                     <a:srgbClr val="FFFFFF"/>
                   </a:solidFill>
@@ -32504,14 +32499,14 @@
             </a:ln>
             <a:extLst>
               <a:ext uri="{909E8E84-426E-40DD-AFC4-6F175D3DCCD1}">
-                <a14:hiddenFill xmlns:a14="http://schemas.microsoft.com/office/drawing/2010/main">
+                <a14:hiddenFill xmlns:a14="http://schemas.microsoft.com/office/drawing/2010/main" xmlns="">
                   <a:solidFill>
                     <a:srgbClr val="FFFFFF"/>
                   </a:solidFill>
                 </a14:hiddenFill>
               </a:ext>
               <a:ext uri="{91240B29-F687-4F45-9708-019B960494DF}">
-                <a14:hiddenLine xmlns:a14="http://schemas.microsoft.com/office/drawing/2010/main" w="12700">
+                <a14:hiddenLine xmlns:a14="http://schemas.microsoft.com/office/drawing/2010/main" xmlns="" w="12700">
                   <a:solidFill>
                     <a:srgbClr val="000000"/>
                   </a:solidFill>
@@ -32569,7 +32564,7 @@
           </a:ln>
           <a:extLst>
             <a:ext uri="{909E8E84-426E-40DD-AFC4-6F175D3DCCD1}">
-              <a14:hiddenFill xmlns:a14="http://schemas.microsoft.com/office/drawing/2010/main">
+              <a14:hiddenFill xmlns:a14="http://schemas.microsoft.com/office/drawing/2010/main" xmlns="">
                 <a:solidFill>
                   <a:srgbClr val="FFFFFF"/>
                 </a:solidFill>
@@ -32614,7 +32609,7 @@
           </a:ln>
           <a:extLst>
             <a:ext uri="{909E8E84-426E-40DD-AFC4-6F175D3DCCD1}">
-              <a14:hiddenFill xmlns:a14="http://schemas.microsoft.com/office/drawing/2010/main">
+              <a14:hiddenFill xmlns:a14="http://schemas.microsoft.com/office/drawing/2010/main" xmlns="">
                 <a:solidFill>
                   <a:srgbClr val="FFFFFF"/>
                 </a:solidFill>
@@ -32705,7 +32700,7 @@
     </p:spTree>
     <p:extLst>
       <p:ext uri="{BB962C8B-B14F-4D97-AF65-F5344CB8AC3E}">
-        <p14:creationId xmlns:p14="http://schemas.microsoft.com/office/powerpoint/2010/main" val="1250715659"/>
+        <p14:creationId xmlns:p14="http://schemas.microsoft.com/office/powerpoint/2010/main" xmlns="" val="1250715659"/>
       </p:ext>
     </p:extLst>
   </p:cSld>
@@ -32848,7 +32843,7 @@
     </p:spTree>
     <p:extLst>
       <p:ext uri="{BB962C8B-B14F-4D97-AF65-F5344CB8AC3E}">
-        <p14:creationId xmlns:p14="http://schemas.microsoft.com/office/powerpoint/2010/main" val="1883616766"/>
+        <p14:creationId xmlns:p14="http://schemas.microsoft.com/office/powerpoint/2010/main" xmlns="" val="1883616766"/>
       </p:ext>
     </p:extLst>
   </p:cSld>
@@ -32882,60 +32877,6 @@
           <a:chExt cx="0" cy="0"/>
         </a:xfrm>
       </p:grpSpPr>
-      <p:pic>
-        <p:nvPicPr>
-          <p:cNvPr id="16386" name="Picture 2"/>
-          <p:cNvPicPr>
-            <a:picLocks noChangeAspect="1"/>
-          </p:cNvPicPr>
-          <p:nvPr/>
-        </p:nvPicPr>
-        <p:blipFill>
-          <a:blip r:embed="rId2">
-            <a:extLst>
-              <a:ext uri="{28A0092B-C50C-407E-A947-70E740481C1C}">
-                <a14:useLocalDpi xmlns:a14="http://schemas.microsoft.com/office/drawing/2010/main" val="0"/>
-              </a:ext>
-            </a:extLst>
-          </a:blip>
-          <a:srcRect/>
-          <a:stretch>
-            <a:fillRect/>
-          </a:stretch>
-        </p:blipFill>
-        <p:spPr bwMode="auto">
-          <a:xfrm>
-            <a:off x="26988" y="5842000"/>
-            <a:ext cx="2794000" cy="1016000"/>
-          </a:xfrm>
-          <a:prstGeom prst="rect">
-            <a:avLst/>
-          </a:prstGeom>
-          <a:noFill/>
-          <a:ln>
-            <a:noFill/>
-          </a:ln>
-          <a:extLst>
-            <a:ext uri="{909E8E84-426E-40DD-AFC4-6F175D3DCCD1}">
-              <a14:hiddenFill xmlns:a14="http://schemas.microsoft.com/office/drawing/2010/main">
-                <a:solidFill>
-                  <a:srgbClr val="FFFFFF"/>
-                </a:solidFill>
-              </a14:hiddenFill>
-            </a:ext>
-            <a:ext uri="{91240B29-F687-4F45-9708-019B960494DF}">
-              <a14:hiddenLine xmlns:a14="http://schemas.microsoft.com/office/drawing/2010/main" w="9525">
-                <a:solidFill>
-                  <a:srgbClr val="000000"/>
-                </a:solidFill>
-                <a:miter lim="800000"/>
-                <a:headEnd/>
-                <a:tailEnd/>
-              </a14:hiddenLine>
-            </a:ext>
-          </a:extLst>
-        </p:spPr>
-      </p:pic>
       <p:sp>
         <p:nvSpPr>
           <p:cNvPr id="16387" name="Content Placeholder 2"/>
@@ -32963,14 +32904,12 @@
               <a:rPr lang="en-US" altLang="en-US" sz="2800" dirty="0" smtClean="0"/>
               <a:t> server?</a:t>
             </a:r>
-            <a:endParaRPr lang="en-US" altLang="en-US" sz="2800" dirty="0" smtClean="0"/>
           </a:p>
           <a:p>
             <a:r>
               <a:rPr lang="en-US" altLang="en-US" sz="2800" dirty="0" smtClean="0"/>
               <a:t>What is mongos.exe? </a:t>
             </a:r>
-            <a:endParaRPr lang="en-US" altLang="en-US" sz="2800" dirty="0" smtClean="0"/>
           </a:p>
         </p:txBody>
       </p:sp>
@@ -32983,10 +32922,10 @@
           <p:nvPr/>
         </p:nvPicPr>
         <p:blipFill>
-          <a:blip r:embed="rId3">
+          <a:blip r:embed="rId2">
             <a:extLst>
               <a:ext uri="{28A0092B-C50C-407E-A947-70E740481C1C}">
-                <a14:useLocalDpi xmlns:a14="http://schemas.microsoft.com/office/drawing/2010/main" val="0"/>
+                <a14:useLocalDpi xmlns:a14="http://schemas.microsoft.com/office/drawing/2010/main" xmlns="" val="0"/>
               </a:ext>
             </a:extLst>
           </a:blip>
@@ -33009,14 +32948,14 @@
           </a:ln>
           <a:extLst>
             <a:ext uri="{909E8E84-426E-40DD-AFC4-6F175D3DCCD1}">
-              <a14:hiddenFill xmlns:a14="http://schemas.microsoft.com/office/drawing/2010/main">
+              <a14:hiddenFill xmlns:a14="http://schemas.microsoft.com/office/drawing/2010/main" xmlns="">
                 <a:solidFill>
                   <a:srgbClr val="FFFFFF"/>
                 </a:solidFill>
               </a14:hiddenFill>
             </a:ext>
             <a:ext uri="{91240B29-F687-4F45-9708-019B960494DF}">
-              <a14:hiddenLine xmlns:a14="http://schemas.microsoft.com/office/drawing/2010/main" w="9525">
+              <a14:hiddenLine xmlns:a14="http://schemas.microsoft.com/office/drawing/2010/main" xmlns="" w="9525">
                 <a:solidFill>
                   <a:srgbClr val="000000"/>
                 </a:solidFill>
@@ -33031,151 +32970,7 @@
     </p:spTree>
     <p:extLst>
       <p:ext uri="{BB962C8B-B14F-4D97-AF65-F5344CB8AC3E}">
-        <p14:creationId xmlns:p14="http://schemas.microsoft.com/office/powerpoint/2010/main" val="1647345398"/>
-      </p:ext>
-    </p:extLst>
-  </p:cSld>
-  <p:clrMapOvr>
-    <a:masterClrMapping/>
-  </p:clrMapOvr>
-  <p:timing>
-    <p:tnLst>
-      <p:par>
-        <p:cTn id="1" dur="indefinite" restart="never" nodeType="tmRoot"/>
-      </p:par>
-    </p:tnLst>
-  </p:timing>
-</p:sld>
-</file>
-
-<file path=ppt/slides/slide36.xml><?xml version="1.0" encoding="utf-8"?>
-<p:sld xmlns:a="http://schemas.openxmlformats.org/drawingml/2006/main" xmlns:r="http://schemas.openxmlformats.org/officeDocument/2006/relationships" xmlns:p="http://schemas.openxmlformats.org/presentationml/2006/main">
-  <p:cSld>
-    <p:spTree>
-      <p:nvGrpSpPr>
-        <p:cNvPr id="1" name=""/>
-        <p:cNvGrpSpPr/>
-        <p:nvPr/>
-      </p:nvGrpSpPr>
-      <p:grpSpPr>
-        <a:xfrm>
-          <a:off x="0" y="0"/>
-          <a:ext cx="0" cy="0"/>
-          <a:chOff x="0" y="0"/>
-          <a:chExt cx="0" cy="0"/>
-        </a:xfrm>
-      </p:grpSpPr>
-      <p:sp>
-        <p:nvSpPr>
-          <p:cNvPr id="36868" name="Rectangle 4"/>
-          <p:cNvSpPr>
-            <a:spLocks noGrp="1" noChangeArrowheads="1"/>
-          </p:cNvSpPr>
-          <p:nvPr>
-            <p:ph type="title"/>
-          </p:nvPr>
-        </p:nvSpPr>
-        <p:spPr bwMode="auto">
-          <a:xfrm>
-            <a:off x="468313" y="2924175"/>
-            <a:ext cx="7620000" cy="1143000"/>
-          </a:xfrm>
-          <a:extLst>
-            <a:ext uri="{909E8E84-426E-40DD-AFC4-6F175D3DCCD1}">
-              <a14:hiddenFill xmlns:a14="http://schemas.microsoft.com/office/drawing/2010/main">
-                <a:solidFill>
-                  <a:srgbClr val="FFFFFF"/>
-                </a:solidFill>
-              </a14:hiddenFill>
-            </a:ext>
-            <a:ext uri="{91240B29-F687-4F45-9708-019B960494DF}">
-              <a14:hiddenLine xmlns:a14="http://schemas.microsoft.com/office/drawing/2010/main" w="9525">
-                <a:solidFill>
-                  <a:srgbClr val="000000"/>
-                </a:solidFill>
-                <a:miter lim="800000"/>
-                <a:headEnd/>
-                <a:tailEnd/>
-              </a14:hiddenLine>
-            </a:ext>
-          </a:extLst>
-        </p:spPr>
-        <p:txBody>
-          <a:bodyPr wrap="square" numCol="1" anchorCtr="0" compatLnSpc="1">
-            <a:prstTxWarp prst="textNoShape">
-              <a:avLst/>
-            </a:prstTxWarp>
-          </a:bodyPr>
-          <a:lstStyle/>
-          <a:p>
-            <a:pPr eaLnBrk="1" hangingPunct="1">
-              <a:defRPr/>
-            </a:pPr>
-            <a:r>
-              <a:rPr lang="hu-HU" smtClean="0"/>
-              <a:t>Thank you for your attention!</a:t>
-            </a:r>
-          </a:p>
-        </p:txBody>
-      </p:sp>
-      <p:pic>
-        <p:nvPicPr>
-          <p:cNvPr id="17411" name="Picture 1"/>
-          <p:cNvPicPr>
-            <a:picLocks noChangeAspect="1"/>
-          </p:cNvPicPr>
-          <p:nvPr/>
-        </p:nvPicPr>
-        <p:blipFill>
-          <a:blip r:embed="rId2">
-            <a:extLst>
-              <a:ext uri="{28A0092B-C50C-407E-A947-70E740481C1C}">
-                <a14:useLocalDpi xmlns:a14="http://schemas.microsoft.com/office/drawing/2010/main" val="0"/>
-              </a:ext>
-            </a:extLst>
-          </a:blip>
-          <a:srcRect/>
-          <a:stretch>
-            <a:fillRect/>
-          </a:stretch>
-        </p:blipFill>
-        <p:spPr bwMode="auto">
-          <a:xfrm>
-            <a:off x="9525" y="5880100"/>
-            <a:ext cx="2794000" cy="1016000"/>
-          </a:xfrm>
-          <a:prstGeom prst="rect">
-            <a:avLst/>
-          </a:prstGeom>
-          <a:noFill/>
-          <a:ln>
-            <a:noFill/>
-          </a:ln>
-          <a:extLst>
-            <a:ext uri="{909E8E84-426E-40DD-AFC4-6F175D3DCCD1}">
-              <a14:hiddenFill xmlns:a14="http://schemas.microsoft.com/office/drawing/2010/main">
-                <a:solidFill>
-                  <a:srgbClr val="FFFFFF"/>
-                </a:solidFill>
-              </a14:hiddenFill>
-            </a:ext>
-            <a:ext uri="{91240B29-F687-4F45-9708-019B960494DF}">
-              <a14:hiddenLine xmlns:a14="http://schemas.microsoft.com/office/drawing/2010/main" w="9525">
-                <a:solidFill>
-                  <a:srgbClr val="000000"/>
-                </a:solidFill>
-                <a:miter lim="800000"/>
-                <a:headEnd/>
-                <a:tailEnd/>
-              </a14:hiddenLine>
-            </a:ext>
-          </a:extLst>
-        </p:spPr>
-      </p:pic>
-    </p:spTree>
-    <p:extLst>
-      <p:ext uri="{BB962C8B-B14F-4D97-AF65-F5344CB8AC3E}">
-        <p14:creationId xmlns:p14="http://schemas.microsoft.com/office/powerpoint/2010/main" val="2928715991"/>
+        <p14:creationId xmlns:p14="http://schemas.microsoft.com/office/powerpoint/2010/main" xmlns="" val="1647345398"/>
       </p:ext>
     </p:extLst>
   </p:cSld>
@@ -33264,14 +33059,14 @@
           </a:ln>
           <a:extLst>
             <a:ext uri="{909E8E84-426E-40DD-AFC4-6F175D3DCCD1}">
-              <a14:hiddenFill xmlns:a14="http://schemas.microsoft.com/office/drawing/2010/main">
+              <a14:hiddenFill xmlns:a14="http://schemas.microsoft.com/office/drawing/2010/main" xmlns="">
                 <a:solidFill>
                   <a:srgbClr val="FFFFFF"/>
                 </a:solidFill>
               </a14:hiddenFill>
             </a:ext>
             <a:ext uri="{91240B29-F687-4F45-9708-019B960494DF}">
-              <a14:hiddenLine xmlns:a14="http://schemas.microsoft.com/office/drawing/2010/main" w="9525">
+              <a14:hiddenLine xmlns:a14="http://schemas.microsoft.com/office/drawing/2010/main" xmlns="" w="9525">
                 <a:solidFill>
                   <a:srgbClr val="000000"/>
                 </a:solidFill>
@@ -33487,7 +33282,7 @@
           <a:blip r:embed="rId3">
             <a:extLst>
               <a:ext uri="{28A0092B-C50C-407E-A947-70E740481C1C}">
-                <a14:useLocalDpi xmlns:a14="http://schemas.microsoft.com/office/drawing/2010/main" val="0"/>
+                <a14:useLocalDpi xmlns:a14="http://schemas.microsoft.com/office/drawing/2010/main" xmlns="" val="0"/>
               </a:ext>
             </a:extLst>
           </a:blip>
@@ -33508,14 +33303,14 @@
           </a:ln>
           <a:extLst>
             <a:ext uri="{909E8E84-426E-40DD-AFC4-6F175D3DCCD1}">
-              <a14:hiddenFill xmlns:a14="http://schemas.microsoft.com/office/drawing/2010/main">
+              <a14:hiddenFill xmlns:a14="http://schemas.microsoft.com/office/drawing/2010/main" xmlns="">
                 <a:solidFill>
                   <a:srgbClr val="FFFFFF"/>
                 </a:solidFill>
               </a14:hiddenFill>
             </a:ext>
             <a:ext uri="{91240B29-F687-4F45-9708-019B960494DF}">
-              <a14:hiddenLine xmlns:a14="http://schemas.microsoft.com/office/drawing/2010/main" w="9525">
+              <a14:hiddenLine xmlns:a14="http://schemas.microsoft.com/office/drawing/2010/main" xmlns="" w="9525">
                 <a:solidFill>
                   <a:srgbClr val="000000"/>
                 </a:solidFill>
@@ -33530,19 +33325,19 @@
     </p:spTree>
     <p:extLst>
       <p:ext uri="{BB962C8B-B14F-4D97-AF65-F5344CB8AC3E}">
-        <p14:creationId xmlns:p14="http://schemas.microsoft.com/office/powerpoint/2010/main" val="2833038446"/>
+        <p14:creationId xmlns:p14="http://schemas.microsoft.com/office/powerpoint/2010/main" xmlns="" val="2833038446"/>
       </p:ext>
     </p:extLst>
   </p:cSld>
   <p:clrMapOvr>
     <a:masterClrMapping/>
   </p:clrMapOvr>
-  <mc:AlternateContent xmlns:mc="http://schemas.openxmlformats.org/markup-compatibility/2006" xmlns:p14="http://schemas.microsoft.com/office/powerpoint/2010/main">
-    <mc:Choice Requires="p14">
+  <mc:AlternateContent xmlns:mc="http://schemas.openxmlformats.org/markup-compatibility/2006">
+    <mc:Choice xmlns:p14="http://schemas.microsoft.com/office/powerpoint/2010/main" xmlns="" Requires="p14">
       <p:transition spd="slow" p14:dur="2000"/>
     </mc:Choice>
-    <mc:Fallback xmlns="">
-      <p:transition xmlns:p14="http://schemas.microsoft.com/office/powerpoint/2010/main" spd="slow"/>
+    <mc:Fallback>
+      <p:transition spd="slow"/>
     </mc:Fallback>
   </mc:AlternateContent>
   <p:timing>
@@ -33584,7 +33379,7 @@
           <a:blip r:embed="rId3">
             <a:extLst>
               <a:ext uri="{28A0092B-C50C-407E-A947-70E740481C1C}">
-                <a14:useLocalDpi xmlns:a14="http://schemas.microsoft.com/office/drawing/2010/main" val="0"/>
+                <a14:useLocalDpi xmlns:a14="http://schemas.microsoft.com/office/drawing/2010/main" xmlns="" val="0"/>
               </a:ext>
             </a:extLst>
           </a:blip>
@@ -33607,14 +33402,14 @@
           </a:ln>
           <a:extLst>
             <a:ext uri="{909E8E84-426E-40DD-AFC4-6F175D3DCCD1}">
-              <a14:hiddenFill xmlns:a14="http://schemas.microsoft.com/office/drawing/2010/main">
+              <a14:hiddenFill xmlns:a14="http://schemas.microsoft.com/office/drawing/2010/main" xmlns="">
                 <a:solidFill>
                   <a:srgbClr val="FFFFFF"/>
                 </a:solidFill>
               </a14:hiddenFill>
             </a:ext>
             <a:ext uri="{91240B29-F687-4F45-9708-019B960494DF}">
-              <a14:hiddenLine xmlns:a14="http://schemas.microsoft.com/office/drawing/2010/main" w="12700" cap="rnd">
+              <a14:hiddenLine xmlns:a14="http://schemas.microsoft.com/office/drawing/2010/main" xmlns="" w="12700" cap="rnd">
                 <a:solidFill>
                   <a:srgbClr val="000000"/>
                 </a:solidFill>
@@ -33779,7 +33574,7 @@
             </a:ln>
             <a:extLst>
               <a:ext uri="{91240B29-F687-4F45-9708-019B960494DF}">
-                <a14:hiddenLine xmlns:a14="http://schemas.microsoft.com/office/drawing/2010/main" w="25400" cap="flat">
+                <a14:hiddenLine xmlns:a14="http://schemas.microsoft.com/office/drawing/2010/main" xmlns="" w="25400" cap="flat">
                   <a:solidFill>
                     <a:srgbClr val="718840"/>
                   </a:solidFill>
@@ -33889,7 +33684,7 @@
             </a:ln>
             <a:extLst>
               <a:ext uri="{91240B29-F687-4F45-9708-019B960494DF}">
-                <a14:hiddenLine xmlns:a14="http://schemas.microsoft.com/office/drawing/2010/main" w="25400" cap="flat">
+                <a14:hiddenLine xmlns:a14="http://schemas.microsoft.com/office/drawing/2010/main" xmlns="" w="25400" cap="flat">
                   <a:solidFill>
                     <a:srgbClr val="718840"/>
                   </a:solidFill>
@@ -33999,7 +33794,7 @@
             </a:ln>
             <a:extLst>
               <a:ext uri="{91240B29-F687-4F45-9708-019B960494DF}">
-                <a14:hiddenLine xmlns:a14="http://schemas.microsoft.com/office/drawing/2010/main" w="25400" cap="flat">
+                <a14:hiddenLine xmlns:a14="http://schemas.microsoft.com/office/drawing/2010/main" xmlns="" w="25400" cap="flat">
                   <a:solidFill>
                     <a:srgbClr val="718840"/>
                   </a:solidFill>
@@ -34165,7 +33960,7 @@
             </a:ln>
             <a:extLst>
               <a:ext uri="{909E8E84-426E-40DD-AFC4-6F175D3DCCD1}">
-                <a14:hiddenFill xmlns:a14="http://schemas.microsoft.com/office/drawing/2010/main">
+                <a14:hiddenFill xmlns:a14="http://schemas.microsoft.com/office/drawing/2010/main" xmlns="">
                   <a:solidFill>
                     <a:srgbClr val="FFFFFF"/>
                   </a:solidFill>
@@ -34203,14 +33998,14 @@
             </a:ln>
             <a:extLst>
               <a:ext uri="{909E8E84-426E-40DD-AFC4-6F175D3DCCD1}">
-                <a14:hiddenFill xmlns:a14="http://schemas.microsoft.com/office/drawing/2010/main">
+                <a14:hiddenFill xmlns:a14="http://schemas.microsoft.com/office/drawing/2010/main" xmlns="">
                   <a:solidFill>
                     <a:srgbClr val="FFFFFF"/>
                   </a:solidFill>
                 </a14:hiddenFill>
               </a:ext>
               <a:ext uri="{91240B29-F687-4F45-9708-019B960494DF}">
-                <a14:hiddenLine xmlns:a14="http://schemas.microsoft.com/office/drawing/2010/main" w="12700">
+                <a14:hiddenLine xmlns:a14="http://schemas.microsoft.com/office/drawing/2010/main" xmlns="" w="12700">
                   <a:solidFill>
                     <a:srgbClr val="000000"/>
                   </a:solidFill>
@@ -34316,14 +34111,14 @@
             </a:ln>
             <a:extLst>
               <a:ext uri="{909E8E84-426E-40DD-AFC4-6F175D3DCCD1}">
-                <a14:hiddenFill xmlns:a14="http://schemas.microsoft.com/office/drawing/2010/main">
+                <a14:hiddenFill xmlns:a14="http://schemas.microsoft.com/office/drawing/2010/main" xmlns="">
                   <a:solidFill>
                     <a:srgbClr val="FFFFFF"/>
                   </a:solidFill>
                 </a14:hiddenFill>
               </a:ext>
               <a:ext uri="{91240B29-F687-4F45-9708-019B960494DF}">
-                <a14:hiddenLine xmlns:a14="http://schemas.microsoft.com/office/drawing/2010/main" w="12700">
+                <a14:hiddenLine xmlns:a14="http://schemas.microsoft.com/office/drawing/2010/main" xmlns="" w="12700">
                   <a:solidFill>
                     <a:srgbClr val="000000"/>
                   </a:solidFill>
@@ -34384,14 +34179,14 @@
           </a:ln>
           <a:extLst>
             <a:ext uri="{909E8E84-426E-40DD-AFC4-6F175D3DCCD1}">
-              <a14:hiddenFill xmlns:a14="http://schemas.microsoft.com/office/drawing/2010/main">
+              <a14:hiddenFill xmlns:a14="http://schemas.microsoft.com/office/drawing/2010/main" xmlns="">
                 <a:solidFill>
                   <a:srgbClr val="FFFFFF"/>
                 </a:solidFill>
               </a14:hiddenFill>
             </a:ext>
             <a:ext uri="{91240B29-F687-4F45-9708-019B960494DF}">
-              <a14:hiddenLine xmlns:a14="http://schemas.microsoft.com/office/drawing/2010/main" w="12700" cap="rnd">
+              <a14:hiddenLine xmlns:a14="http://schemas.microsoft.com/office/drawing/2010/main" xmlns="" w="12700" cap="rnd">
                 <a:solidFill>
                   <a:srgbClr val="000000"/>
                 </a:solidFill>
@@ -34477,7 +34272,7 @@
           </a:ln>
           <a:extLst>
             <a:ext uri="{909E8E84-426E-40DD-AFC4-6F175D3DCCD1}">
-              <a14:hiddenFill xmlns:a14="http://schemas.microsoft.com/office/drawing/2010/main">
+              <a14:hiddenFill xmlns:a14="http://schemas.microsoft.com/office/drawing/2010/main" xmlns="">
                 <a:solidFill>
                   <a:srgbClr val="FFFFFF"/>
                 </a:solidFill>
@@ -34496,19 +34291,19 @@
     </p:spTree>
     <p:extLst>
       <p:ext uri="{BB962C8B-B14F-4D97-AF65-F5344CB8AC3E}">
-        <p14:creationId xmlns:p14="http://schemas.microsoft.com/office/powerpoint/2010/main" val="3894613633"/>
+        <p14:creationId xmlns:p14="http://schemas.microsoft.com/office/powerpoint/2010/main" xmlns="" val="3894613633"/>
       </p:ext>
     </p:extLst>
   </p:cSld>
   <p:clrMapOvr>
     <a:masterClrMapping/>
   </p:clrMapOvr>
-  <mc:AlternateContent xmlns:mc="http://schemas.openxmlformats.org/markup-compatibility/2006" xmlns:p14="http://schemas.microsoft.com/office/powerpoint/2010/main">
-    <mc:Choice Requires="p14">
+  <mc:AlternateContent xmlns:mc="http://schemas.openxmlformats.org/markup-compatibility/2006">
+    <mc:Choice xmlns:p14="http://schemas.microsoft.com/office/powerpoint/2010/main" xmlns="" Requires="p14">
       <p:transition spd="slow" p14:dur="2000"/>
     </mc:Choice>
-    <mc:Fallback xmlns="">
-      <p:transition xmlns:p14="http://schemas.microsoft.com/office/powerpoint/2010/main" spd="slow"/>
+    <mc:Fallback>
+      <p:transition spd="slow"/>
     </mc:Fallback>
   </mc:AlternateContent>
   <p:timing>
@@ -34550,7 +34345,7 @@
           <a:blip r:embed="rId3">
             <a:extLst>
               <a:ext uri="{28A0092B-C50C-407E-A947-70E740481C1C}">
-                <a14:useLocalDpi xmlns:a14="http://schemas.microsoft.com/office/drawing/2010/main" val="0"/>
+                <a14:useLocalDpi xmlns:a14="http://schemas.microsoft.com/office/drawing/2010/main" xmlns="" val="0"/>
               </a:ext>
             </a:extLst>
           </a:blip>
@@ -34573,14 +34368,14 @@
           </a:ln>
           <a:extLst>
             <a:ext uri="{909E8E84-426E-40DD-AFC4-6F175D3DCCD1}">
-              <a14:hiddenFill xmlns:a14="http://schemas.microsoft.com/office/drawing/2010/main">
+              <a14:hiddenFill xmlns:a14="http://schemas.microsoft.com/office/drawing/2010/main" xmlns="">
                 <a:solidFill>
                   <a:srgbClr val="FFFFFF"/>
                 </a:solidFill>
               </a14:hiddenFill>
             </a:ext>
             <a:ext uri="{91240B29-F687-4F45-9708-019B960494DF}">
-              <a14:hiddenLine xmlns:a14="http://schemas.microsoft.com/office/drawing/2010/main" w="12700" cap="rnd">
+              <a14:hiddenLine xmlns:a14="http://schemas.microsoft.com/office/drawing/2010/main" xmlns="" w="12700" cap="rnd">
                 <a:solidFill>
                   <a:srgbClr val="000000"/>
                 </a:solidFill>
@@ -34699,14 +34494,14 @@
             </a:ln>
             <a:extLst>
               <a:ext uri="{909E8E84-426E-40DD-AFC4-6F175D3DCCD1}">
-                <a14:hiddenFill xmlns:a14="http://schemas.microsoft.com/office/drawing/2010/main">
+                <a14:hiddenFill xmlns:a14="http://schemas.microsoft.com/office/drawing/2010/main" xmlns="">
                   <a:solidFill>
                     <a:srgbClr val="FFFFFF"/>
                   </a:solidFill>
                 </a14:hiddenFill>
               </a:ext>
               <a:ext uri="{91240B29-F687-4F45-9708-019B960494DF}">
-                <a14:hiddenLine xmlns:a14="http://schemas.microsoft.com/office/drawing/2010/main" w="12700">
+                <a14:hiddenLine xmlns:a14="http://schemas.microsoft.com/office/drawing/2010/main" xmlns="" w="12700">
                   <a:solidFill>
                     <a:srgbClr val="000000"/>
                   </a:solidFill>
@@ -34868,7 +34663,7 @@
             </a:ln>
             <a:extLst>
               <a:ext uri="{91240B29-F687-4F45-9708-019B960494DF}">
-                <a14:hiddenLine xmlns:a14="http://schemas.microsoft.com/office/drawing/2010/main" w="25400" cap="flat">
+                <a14:hiddenLine xmlns:a14="http://schemas.microsoft.com/office/drawing/2010/main" xmlns="" w="25400" cap="flat">
                   <a:solidFill>
                     <a:srgbClr val="718840"/>
                   </a:solidFill>
@@ -34978,7 +34773,7 @@
             </a:ln>
             <a:extLst>
               <a:ext uri="{91240B29-F687-4F45-9708-019B960494DF}">
-                <a14:hiddenLine xmlns:a14="http://schemas.microsoft.com/office/drawing/2010/main" w="25400" cap="flat">
+                <a14:hiddenLine xmlns:a14="http://schemas.microsoft.com/office/drawing/2010/main" xmlns="" w="25400" cap="flat">
                   <a:solidFill>
                     <a:srgbClr val="718840"/>
                   </a:solidFill>
@@ -35088,7 +34883,7 @@
             </a:ln>
             <a:extLst>
               <a:ext uri="{91240B29-F687-4F45-9708-019B960494DF}">
-                <a14:hiddenLine xmlns:a14="http://schemas.microsoft.com/office/drawing/2010/main" w="25400" cap="flat">
+                <a14:hiddenLine xmlns:a14="http://schemas.microsoft.com/office/drawing/2010/main" xmlns="" w="25400" cap="flat">
                   <a:solidFill>
                     <a:srgbClr val="718840"/>
                   </a:solidFill>
@@ -35254,7 +35049,7 @@
             </a:ln>
             <a:extLst>
               <a:ext uri="{909E8E84-426E-40DD-AFC4-6F175D3DCCD1}">
-                <a14:hiddenFill xmlns:a14="http://schemas.microsoft.com/office/drawing/2010/main">
+                <a14:hiddenFill xmlns:a14="http://schemas.microsoft.com/office/drawing/2010/main" xmlns="">
                   <a:solidFill>
                     <a:srgbClr val="FFFFFF"/>
                   </a:solidFill>
@@ -35292,14 +35087,14 @@
             </a:ln>
             <a:extLst>
               <a:ext uri="{909E8E84-426E-40DD-AFC4-6F175D3DCCD1}">
-                <a14:hiddenFill xmlns:a14="http://schemas.microsoft.com/office/drawing/2010/main">
+                <a14:hiddenFill xmlns:a14="http://schemas.microsoft.com/office/drawing/2010/main" xmlns="">
                   <a:solidFill>
                     <a:srgbClr val="FFFFFF"/>
                   </a:solidFill>
                 </a14:hiddenFill>
               </a:ext>
               <a:ext uri="{91240B29-F687-4F45-9708-019B960494DF}">
-                <a14:hiddenLine xmlns:a14="http://schemas.microsoft.com/office/drawing/2010/main" w="12700">
+                <a14:hiddenLine xmlns:a14="http://schemas.microsoft.com/office/drawing/2010/main" xmlns="" w="12700">
                   <a:solidFill>
                     <a:srgbClr val="000000"/>
                   </a:solidFill>
@@ -35451,7 +35246,7 @@
             </a:ln>
             <a:extLst>
               <a:ext uri="{91240B29-F687-4F45-9708-019B960494DF}">
-                <a14:hiddenLine xmlns:a14="http://schemas.microsoft.com/office/drawing/2010/main" w="25400" cap="flat">
+                <a14:hiddenLine xmlns:a14="http://schemas.microsoft.com/office/drawing/2010/main" xmlns="" w="25400" cap="flat">
                   <a:solidFill>
                     <a:srgbClr val="718840"/>
                   </a:solidFill>
@@ -35561,7 +35356,7 @@
             </a:ln>
             <a:extLst>
               <a:ext uri="{91240B29-F687-4F45-9708-019B960494DF}">
-                <a14:hiddenLine xmlns:a14="http://schemas.microsoft.com/office/drawing/2010/main" w="25400" cap="flat">
+                <a14:hiddenLine xmlns:a14="http://schemas.microsoft.com/office/drawing/2010/main" xmlns="" w="25400" cap="flat">
                   <a:solidFill>
                     <a:srgbClr val="718840"/>
                   </a:solidFill>
@@ -35671,7 +35466,7 @@
             </a:ln>
             <a:extLst>
               <a:ext uri="{91240B29-F687-4F45-9708-019B960494DF}">
-                <a14:hiddenLine xmlns:a14="http://schemas.microsoft.com/office/drawing/2010/main" w="25400" cap="flat">
+                <a14:hiddenLine xmlns:a14="http://schemas.microsoft.com/office/drawing/2010/main" xmlns="" w="25400" cap="flat">
                   <a:solidFill>
                     <a:srgbClr val="718840"/>
                   </a:solidFill>
@@ -35837,7 +35632,7 @@
             </a:ln>
             <a:extLst>
               <a:ext uri="{909E8E84-426E-40DD-AFC4-6F175D3DCCD1}">
-                <a14:hiddenFill xmlns:a14="http://schemas.microsoft.com/office/drawing/2010/main">
+                <a14:hiddenFill xmlns:a14="http://schemas.microsoft.com/office/drawing/2010/main" xmlns="">
                   <a:solidFill>
                     <a:srgbClr val="FFFFFF"/>
                   </a:solidFill>
@@ -35875,14 +35670,14 @@
             </a:ln>
             <a:extLst>
               <a:ext uri="{909E8E84-426E-40DD-AFC4-6F175D3DCCD1}">
-                <a14:hiddenFill xmlns:a14="http://schemas.microsoft.com/office/drawing/2010/main">
+                <a14:hiddenFill xmlns:a14="http://schemas.microsoft.com/office/drawing/2010/main" xmlns="">
                   <a:solidFill>
                     <a:srgbClr val="FFFFFF"/>
                   </a:solidFill>
                 </a14:hiddenFill>
               </a:ext>
               <a:ext uri="{91240B29-F687-4F45-9708-019B960494DF}">
-                <a14:hiddenLine xmlns:a14="http://schemas.microsoft.com/office/drawing/2010/main" w="12700">
+                <a14:hiddenLine xmlns:a14="http://schemas.microsoft.com/office/drawing/2010/main" xmlns="" w="12700">
                   <a:solidFill>
                     <a:srgbClr val="000000"/>
                   </a:solidFill>
@@ -35933,14 +35728,14 @@
           </a:ln>
           <a:extLst>
             <a:ext uri="{909E8E84-426E-40DD-AFC4-6F175D3DCCD1}">
-              <a14:hiddenFill xmlns:a14="http://schemas.microsoft.com/office/drawing/2010/main">
+              <a14:hiddenFill xmlns:a14="http://schemas.microsoft.com/office/drawing/2010/main" xmlns="">
                 <a:solidFill>
                   <a:srgbClr val="FFFFFF"/>
                 </a:solidFill>
               </a14:hiddenFill>
             </a:ext>
             <a:ext uri="{91240B29-F687-4F45-9708-019B960494DF}">
-              <a14:hiddenLine xmlns:a14="http://schemas.microsoft.com/office/drawing/2010/main" w="12700" cap="rnd">
+              <a14:hiddenLine xmlns:a14="http://schemas.microsoft.com/office/drawing/2010/main" xmlns="" w="12700" cap="rnd">
                 <a:solidFill>
                   <a:srgbClr val="000000"/>
                 </a:solidFill>
@@ -36040,14 +35835,14 @@
           </a:ln>
           <a:extLst>
             <a:ext uri="{909E8E84-426E-40DD-AFC4-6F175D3DCCD1}">
-              <a14:hiddenFill xmlns:a14="http://schemas.microsoft.com/office/drawing/2010/main">
+              <a14:hiddenFill xmlns:a14="http://schemas.microsoft.com/office/drawing/2010/main" xmlns="">
                 <a:solidFill>
                   <a:srgbClr val="FFFFFF"/>
                 </a:solidFill>
               </a14:hiddenFill>
             </a:ext>
             <a:ext uri="{91240B29-F687-4F45-9708-019B960494DF}">
-              <a14:hiddenLine xmlns:a14="http://schemas.microsoft.com/office/drawing/2010/main" w="12700" cap="rnd">
+              <a14:hiddenLine xmlns:a14="http://schemas.microsoft.com/office/drawing/2010/main" xmlns="" w="12700" cap="rnd">
                 <a:solidFill>
                   <a:srgbClr val="000000"/>
                 </a:solidFill>
@@ -36154,7 +35949,7 @@
           </a:ln>
           <a:extLst>
             <a:ext uri="{909E8E84-426E-40DD-AFC4-6F175D3DCCD1}">
-              <a14:hiddenFill xmlns:a14="http://schemas.microsoft.com/office/drawing/2010/main">
+              <a14:hiddenFill xmlns:a14="http://schemas.microsoft.com/office/drawing/2010/main" xmlns="">
                 <a:solidFill>
                   <a:srgbClr val="FFFFFF"/>
                 </a:solidFill>
@@ -36199,7 +35994,7 @@
           </a:ln>
           <a:extLst>
             <a:ext uri="{909E8E84-426E-40DD-AFC4-6F175D3DCCD1}">
-              <a14:hiddenFill xmlns:a14="http://schemas.microsoft.com/office/drawing/2010/main">
+              <a14:hiddenFill xmlns:a14="http://schemas.microsoft.com/office/drawing/2010/main" xmlns="">
                 <a:solidFill>
                   <a:srgbClr val="FFFFFF"/>
                 </a:solidFill>
@@ -36218,19 +36013,19 @@
     </p:spTree>
     <p:extLst>
       <p:ext uri="{BB962C8B-B14F-4D97-AF65-F5344CB8AC3E}">
-        <p14:creationId xmlns:p14="http://schemas.microsoft.com/office/powerpoint/2010/main" val="2658879746"/>
+        <p14:creationId xmlns:p14="http://schemas.microsoft.com/office/powerpoint/2010/main" xmlns="" val="2658879746"/>
       </p:ext>
     </p:extLst>
   </p:cSld>
   <p:clrMapOvr>
     <a:masterClrMapping/>
   </p:clrMapOvr>
-  <mc:AlternateContent xmlns:mc="http://schemas.openxmlformats.org/markup-compatibility/2006" xmlns:p14="http://schemas.microsoft.com/office/powerpoint/2010/main">
-    <mc:Choice Requires="p14">
+  <mc:AlternateContent xmlns:mc="http://schemas.openxmlformats.org/markup-compatibility/2006">
+    <mc:Choice xmlns:p14="http://schemas.microsoft.com/office/powerpoint/2010/main" xmlns="" Requires="p14">
       <p:transition spd="slow" p14:dur="2000"/>
     </mc:Choice>
-    <mc:Fallback xmlns="">
-      <p:transition xmlns:p14="http://schemas.microsoft.com/office/powerpoint/2010/main" spd="slow"/>
+    <mc:Fallback>
+      <p:transition spd="slow"/>
     </mc:Fallback>
   </mc:AlternateContent>
   <p:timing>
@@ -36272,7 +36067,7 @@
           <a:blip r:embed="rId3">
             <a:extLst>
               <a:ext uri="{28A0092B-C50C-407E-A947-70E740481C1C}">
-                <a14:useLocalDpi xmlns:a14="http://schemas.microsoft.com/office/drawing/2010/main" val="0"/>
+                <a14:useLocalDpi xmlns:a14="http://schemas.microsoft.com/office/drawing/2010/main" xmlns="" val="0"/>
               </a:ext>
             </a:extLst>
           </a:blip>
@@ -36295,14 +36090,14 @@
           </a:ln>
           <a:extLst>
             <a:ext uri="{909E8E84-426E-40DD-AFC4-6F175D3DCCD1}">
-              <a14:hiddenFill xmlns:a14="http://schemas.microsoft.com/office/drawing/2010/main">
+              <a14:hiddenFill xmlns:a14="http://schemas.microsoft.com/office/drawing/2010/main" xmlns="">
                 <a:solidFill>
                   <a:srgbClr val="FFFFFF"/>
                 </a:solidFill>
               </a14:hiddenFill>
             </a:ext>
             <a:ext uri="{91240B29-F687-4F45-9708-019B960494DF}">
-              <a14:hiddenLine xmlns:a14="http://schemas.microsoft.com/office/drawing/2010/main" w="12700" cap="rnd">
+              <a14:hiddenLine xmlns:a14="http://schemas.microsoft.com/office/drawing/2010/main" xmlns="" w="12700" cap="rnd">
                 <a:solidFill>
                   <a:srgbClr val="000000"/>
                 </a:solidFill>
@@ -36467,7 +36262,7 @@
             </a:ln>
             <a:extLst>
               <a:ext uri="{91240B29-F687-4F45-9708-019B960494DF}">
-                <a14:hiddenLine xmlns:a14="http://schemas.microsoft.com/office/drawing/2010/main" w="25400" cap="flat">
+                <a14:hiddenLine xmlns:a14="http://schemas.microsoft.com/office/drawing/2010/main" xmlns="" w="25400" cap="flat">
                   <a:solidFill>
                     <a:srgbClr val="718840"/>
                   </a:solidFill>
@@ -36577,7 +36372,7 @@
             </a:ln>
             <a:extLst>
               <a:ext uri="{91240B29-F687-4F45-9708-019B960494DF}">
-                <a14:hiddenLine xmlns:a14="http://schemas.microsoft.com/office/drawing/2010/main" w="25400" cap="flat">
+                <a14:hiddenLine xmlns:a14="http://schemas.microsoft.com/office/drawing/2010/main" xmlns="" w="25400" cap="flat">
                   <a:solidFill>
                     <a:srgbClr val="718840"/>
                   </a:solidFill>
@@ -36687,7 +36482,7 @@
             </a:ln>
             <a:extLst>
               <a:ext uri="{91240B29-F687-4F45-9708-019B960494DF}">
-                <a14:hiddenLine xmlns:a14="http://schemas.microsoft.com/office/drawing/2010/main" w="25400" cap="flat">
+                <a14:hiddenLine xmlns:a14="http://schemas.microsoft.com/office/drawing/2010/main" xmlns="" w="25400" cap="flat">
                   <a:solidFill>
                     <a:srgbClr val="718840"/>
                   </a:solidFill>
@@ -36853,7 +36648,7 @@
             </a:ln>
             <a:extLst>
               <a:ext uri="{909E8E84-426E-40DD-AFC4-6F175D3DCCD1}">
-                <a14:hiddenFill xmlns:a14="http://schemas.microsoft.com/office/drawing/2010/main">
+                <a14:hiddenFill xmlns:a14="http://schemas.microsoft.com/office/drawing/2010/main" xmlns="">
                   <a:solidFill>
                     <a:srgbClr val="FFFFFF"/>
                   </a:solidFill>
@@ -36891,14 +36686,14 @@
             </a:ln>
             <a:extLst>
               <a:ext uri="{909E8E84-426E-40DD-AFC4-6F175D3DCCD1}">
-                <a14:hiddenFill xmlns:a14="http://schemas.microsoft.com/office/drawing/2010/main">
+                <a14:hiddenFill xmlns:a14="http://schemas.microsoft.com/office/drawing/2010/main" xmlns="">
                   <a:solidFill>
                     <a:srgbClr val="FFFFFF"/>
                   </a:solidFill>
                 </a14:hiddenFill>
               </a:ext>
               <a:ext uri="{91240B29-F687-4F45-9708-019B960494DF}">
-                <a14:hiddenLine xmlns:a14="http://schemas.microsoft.com/office/drawing/2010/main" w="12700">
+                <a14:hiddenLine xmlns:a14="http://schemas.microsoft.com/office/drawing/2010/main" xmlns="" w="12700">
                   <a:solidFill>
                     <a:srgbClr val="000000"/>
                   </a:solidFill>
@@ -37050,7 +36845,7 @@
             </a:ln>
             <a:extLst>
               <a:ext uri="{91240B29-F687-4F45-9708-019B960494DF}">
-                <a14:hiddenLine xmlns:a14="http://schemas.microsoft.com/office/drawing/2010/main" w="25400" cap="flat">
+                <a14:hiddenLine xmlns:a14="http://schemas.microsoft.com/office/drawing/2010/main" xmlns="" w="25400" cap="flat">
                   <a:solidFill>
                     <a:srgbClr val="718840"/>
                   </a:solidFill>
@@ -37160,7 +36955,7 @@
             </a:ln>
             <a:extLst>
               <a:ext uri="{91240B29-F687-4F45-9708-019B960494DF}">
-                <a14:hiddenLine xmlns:a14="http://schemas.microsoft.com/office/drawing/2010/main" w="25400" cap="flat">
+                <a14:hiddenLine xmlns:a14="http://schemas.microsoft.com/office/drawing/2010/main" xmlns="" w="25400" cap="flat">
                   <a:solidFill>
                     <a:srgbClr val="718840"/>
                   </a:solidFill>
@@ -37270,7 +37065,7 @@
             </a:ln>
             <a:extLst>
               <a:ext uri="{91240B29-F687-4F45-9708-019B960494DF}">
-                <a14:hiddenLine xmlns:a14="http://schemas.microsoft.com/office/drawing/2010/main" w="25400" cap="flat">
+                <a14:hiddenLine xmlns:a14="http://schemas.microsoft.com/office/drawing/2010/main" xmlns="" w="25400" cap="flat">
                   <a:solidFill>
                     <a:srgbClr val="718840"/>
                   </a:solidFill>
@@ -37436,7 +37231,7 @@
             </a:ln>
             <a:extLst>
               <a:ext uri="{909E8E84-426E-40DD-AFC4-6F175D3DCCD1}">
-                <a14:hiddenFill xmlns:a14="http://schemas.microsoft.com/office/drawing/2010/main">
+                <a14:hiddenFill xmlns:a14="http://schemas.microsoft.com/office/drawing/2010/main" xmlns="">
                   <a:solidFill>
                     <a:srgbClr val="FFFFFF"/>
                   </a:solidFill>
@@ -37474,14 +37269,14 @@
             </a:ln>
             <a:extLst>
               <a:ext uri="{909E8E84-426E-40DD-AFC4-6F175D3DCCD1}">
-                <a14:hiddenFill xmlns:a14="http://schemas.microsoft.com/office/drawing/2010/main">
+                <a14:hiddenFill xmlns:a14="http://schemas.microsoft.com/office/drawing/2010/main" xmlns="">
                   <a:solidFill>
                     <a:srgbClr val="FFFFFF"/>
                   </a:solidFill>
                 </a14:hiddenFill>
               </a:ext>
               <a:ext uri="{91240B29-F687-4F45-9708-019B960494DF}">
-                <a14:hiddenLine xmlns:a14="http://schemas.microsoft.com/office/drawing/2010/main" w="12700">
+                <a14:hiddenLine xmlns:a14="http://schemas.microsoft.com/office/drawing/2010/main" xmlns="" w="12700">
                   <a:solidFill>
                     <a:srgbClr val="000000"/>
                   </a:solidFill>
@@ -37633,7 +37428,7 @@
             </a:ln>
             <a:extLst>
               <a:ext uri="{91240B29-F687-4F45-9708-019B960494DF}">
-                <a14:hiddenLine xmlns:a14="http://schemas.microsoft.com/office/drawing/2010/main" w="25400" cap="flat">
+                <a14:hiddenLine xmlns:a14="http://schemas.microsoft.com/office/drawing/2010/main" xmlns="" w="25400" cap="flat">
                   <a:solidFill>
                     <a:srgbClr val="718840"/>
                   </a:solidFill>
@@ -37743,7 +37538,7 @@
             </a:ln>
             <a:extLst>
               <a:ext uri="{91240B29-F687-4F45-9708-019B960494DF}">
-                <a14:hiddenLine xmlns:a14="http://schemas.microsoft.com/office/drawing/2010/main" w="25400" cap="flat">
+                <a14:hiddenLine xmlns:a14="http://schemas.microsoft.com/office/drawing/2010/main" xmlns="" w="25400" cap="flat">
                   <a:solidFill>
                     <a:srgbClr val="718840"/>
                   </a:solidFill>
@@ -37853,7 +37648,7 @@
             </a:ln>
             <a:extLst>
               <a:ext uri="{91240B29-F687-4F45-9708-019B960494DF}">
-                <a14:hiddenLine xmlns:a14="http://schemas.microsoft.com/office/drawing/2010/main" w="25400" cap="flat">
+                <a14:hiddenLine xmlns:a14="http://schemas.microsoft.com/office/drawing/2010/main" xmlns="" w="25400" cap="flat">
                   <a:solidFill>
                     <a:srgbClr val="718840"/>
                   </a:solidFill>
@@ -38019,7 +37814,7 @@
             </a:ln>
             <a:extLst>
               <a:ext uri="{909E8E84-426E-40DD-AFC4-6F175D3DCCD1}">
-                <a14:hiddenFill xmlns:a14="http://schemas.microsoft.com/office/drawing/2010/main">
+                <a14:hiddenFill xmlns:a14="http://schemas.microsoft.com/office/drawing/2010/main" xmlns="">
                   <a:solidFill>
                     <a:srgbClr val="FFFFFF"/>
                   </a:solidFill>
@@ -38057,14 +37852,14 @@
             </a:ln>
             <a:extLst>
               <a:ext uri="{909E8E84-426E-40DD-AFC4-6F175D3DCCD1}">
-                <a14:hiddenFill xmlns:a14="http://schemas.microsoft.com/office/drawing/2010/main">
+                <a14:hiddenFill xmlns:a14="http://schemas.microsoft.com/office/drawing/2010/main" xmlns="">
                   <a:solidFill>
                     <a:srgbClr val="FFFFFF"/>
                   </a:solidFill>
                 </a14:hiddenFill>
               </a:ext>
               <a:ext uri="{91240B29-F687-4F45-9708-019B960494DF}">
-                <a14:hiddenLine xmlns:a14="http://schemas.microsoft.com/office/drawing/2010/main" w="12700">
+                <a14:hiddenLine xmlns:a14="http://schemas.microsoft.com/office/drawing/2010/main" xmlns="" w="12700">
                   <a:solidFill>
                     <a:srgbClr val="000000"/>
                   </a:solidFill>
@@ -38216,7 +38011,7 @@
             </a:ln>
             <a:extLst>
               <a:ext uri="{91240B29-F687-4F45-9708-019B960494DF}">
-                <a14:hiddenLine xmlns:a14="http://schemas.microsoft.com/office/drawing/2010/main" w="25400" cap="flat">
+                <a14:hiddenLine xmlns:a14="http://schemas.microsoft.com/office/drawing/2010/main" xmlns="" w="25400" cap="flat">
                   <a:solidFill>
                     <a:srgbClr val="718840"/>
                   </a:solidFill>
@@ -38326,7 +38121,7 @@
             </a:ln>
             <a:extLst>
               <a:ext uri="{91240B29-F687-4F45-9708-019B960494DF}">
-                <a14:hiddenLine xmlns:a14="http://schemas.microsoft.com/office/drawing/2010/main" w="25400" cap="flat">
+                <a14:hiddenLine xmlns:a14="http://schemas.microsoft.com/office/drawing/2010/main" xmlns="" w="25400" cap="flat">
                   <a:solidFill>
                     <a:srgbClr val="718840"/>
                   </a:solidFill>
@@ -38436,7 +38231,7 @@
             </a:ln>
             <a:extLst>
               <a:ext uri="{91240B29-F687-4F45-9708-019B960494DF}">
-                <a14:hiddenLine xmlns:a14="http://schemas.microsoft.com/office/drawing/2010/main" w="25400" cap="flat">
+                <a14:hiddenLine xmlns:a14="http://schemas.microsoft.com/office/drawing/2010/main" xmlns="" w="25400" cap="flat">
                   <a:solidFill>
                     <a:srgbClr val="718840"/>
                   </a:solidFill>
@@ -38602,7 +38397,7 @@
             </a:ln>
             <a:extLst>
               <a:ext uri="{909E8E84-426E-40DD-AFC4-6F175D3DCCD1}">
-                <a14:hiddenFill xmlns:a14="http://schemas.microsoft.com/office/drawing/2010/main">
+                <a14:hiddenFill xmlns:a14="http://schemas.microsoft.com/office/drawing/2010/main" xmlns="">
                   <a:solidFill>
                     <a:srgbClr val="FFFFFF"/>
                   </a:solidFill>
@@ -38640,14 +38435,14 @@
             </a:ln>
             <a:extLst>
               <a:ext uri="{909E8E84-426E-40DD-AFC4-6F175D3DCCD1}">
-                <a14:hiddenFill xmlns:a14="http://schemas.microsoft.com/office/drawing/2010/main">
+                <a14:hiddenFill xmlns:a14="http://schemas.microsoft.com/office/drawing/2010/main" xmlns="">
                   <a:solidFill>
                     <a:srgbClr val="FFFFFF"/>
                   </a:solidFill>
                 </a14:hiddenFill>
               </a:ext>
               <a:ext uri="{91240B29-F687-4F45-9708-019B960494DF}">
-                <a14:hiddenLine xmlns:a14="http://schemas.microsoft.com/office/drawing/2010/main" w="12700">
+                <a14:hiddenLine xmlns:a14="http://schemas.microsoft.com/office/drawing/2010/main" xmlns="" w="12700">
                   <a:solidFill>
                     <a:srgbClr val="000000"/>
                   </a:solidFill>
@@ -38698,14 +38493,14 @@
           </a:ln>
           <a:extLst>
             <a:ext uri="{909E8E84-426E-40DD-AFC4-6F175D3DCCD1}">
-              <a14:hiddenFill xmlns:a14="http://schemas.microsoft.com/office/drawing/2010/main">
+              <a14:hiddenFill xmlns:a14="http://schemas.microsoft.com/office/drawing/2010/main" xmlns="">
                 <a:solidFill>
                   <a:srgbClr val="FFFFFF"/>
                 </a:solidFill>
               </a14:hiddenFill>
             </a:ext>
             <a:ext uri="{91240B29-F687-4F45-9708-019B960494DF}">
-              <a14:hiddenLine xmlns:a14="http://schemas.microsoft.com/office/drawing/2010/main" w="12700" cap="rnd">
+              <a14:hiddenLine xmlns:a14="http://schemas.microsoft.com/office/drawing/2010/main" xmlns="" w="12700" cap="rnd">
                 <a:solidFill>
                   <a:srgbClr val="000000"/>
                 </a:solidFill>
@@ -38814,14 +38609,14 @@
           </a:ln>
           <a:extLst>
             <a:ext uri="{909E8E84-426E-40DD-AFC4-6F175D3DCCD1}">
-              <a14:hiddenFill xmlns:a14="http://schemas.microsoft.com/office/drawing/2010/main">
+              <a14:hiddenFill xmlns:a14="http://schemas.microsoft.com/office/drawing/2010/main" xmlns="">
                 <a:solidFill>
                   <a:srgbClr val="FFFFFF"/>
                 </a:solidFill>
               </a14:hiddenFill>
             </a:ext>
             <a:ext uri="{91240B29-F687-4F45-9708-019B960494DF}">
-              <a14:hiddenLine xmlns:a14="http://schemas.microsoft.com/office/drawing/2010/main" w="12700" cap="rnd">
+              <a14:hiddenLine xmlns:a14="http://schemas.microsoft.com/office/drawing/2010/main" xmlns="" w="12700" cap="rnd">
                 <a:solidFill>
                   <a:srgbClr val="000000"/>
                 </a:solidFill>
@@ -38918,14 +38713,14 @@
           </a:ln>
           <a:extLst>
             <a:ext uri="{909E8E84-426E-40DD-AFC4-6F175D3DCCD1}">
-              <a14:hiddenFill xmlns:a14="http://schemas.microsoft.com/office/drawing/2010/main">
+              <a14:hiddenFill xmlns:a14="http://schemas.microsoft.com/office/drawing/2010/main" xmlns="">
                 <a:solidFill>
                   <a:srgbClr val="FFFFFF"/>
                 </a:solidFill>
               </a14:hiddenFill>
             </a:ext>
             <a:ext uri="{91240B29-F687-4F45-9708-019B960494DF}">
-              <a14:hiddenLine xmlns:a14="http://schemas.microsoft.com/office/drawing/2010/main" w="12700" cap="rnd">
+              <a14:hiddenLine xmlns:a14="http://schemas.microsoft.com/office/drawing/2010/main" xmlns="" w="12700" cap="rnd">
                 <a:solidFill>
                   <a:srgbClr val="000000"/>
                 </a:solidFill>
@@ -39031,14 +38826,14 @@
           </a:ln>
           <a:extLst>
             <a:ext uri="{909E8E84-426E-40DD-AFC4-6F175D3DCCD1}">
-              <a14:hiddenFill xmlns:a14="http://schemas.microsoft.com/office/drawing/2010/main">
+              <a14:hiddenFill xmlns:a14="http://schemas.microsoft.com/office/drawing/2010/main" xmlns="">
                 <a:solidFill>
                   <a:srgbClr val="FFFFFF"/>
                 </a:solidFill>
               </a14:hiddenFill>
             </a:ext>
             <a:ext uri="{91240B29-F687-4F45-9708-019B960494DF}">
-              <a14:hiddenLine xmlns:a14="http://schemas.microsoft.com/office/drawing/2010/main" w="12700" cap="rnd">
+              <a14:hiddenLine xmlns:a14="http://schemas.microsoft.com/office/drawing/2010/main" xmlns="" w="12700" cap="rnd">
                 <a:solidFill>
                   <a:srgbClr val="000000"/>
                 </a:solidFill>
@@ -39145,7 +38940,7 @@
           </a:ln>
           <a:extLst>
             <a:ext uri="{909E8E84-426E-40DD-AFC4-6F175D3DCCD1}">
-              <a14:hiddenFill xmlns:a14="http://schemas.microsoft.com/office/drawing/2010/main">
+              <a14:hiddenFill xmlns:a14="http://schemas.microsoft.com/office/drawing/2010/main" xmlns="">
                 <a:solidFill>
                   <a:srgbClr val="FFFFFF"/>
                 </a:solidFill>
@@ -39190,7 +38985,7 @@
           </a:ln>
           <a:extLst>
             <a:ext uri="{909E8E84-426E-40DD-AFC4-6F175D3DCCD1}">
-              <a14:hiddenFill xmlns:a14="http://schemas.microsoft.com/office/drawing/2010/main">
+              <a14:hiddenFill xmlns:a14="http://schemas.microsoft.com/office/drawing/2010/main" xmlns="">
                 <a:solidFill>
                   <a:srgbClr val="FFFFFF"/>
                 </a:solidFill>
@@ -39235,7 +39030,7 @@
           </a:ln>
           <a:extLst>
             <a:ext uri="{909E8E84-426E-40DD-AFC4-6F175D3DCCD1}">
-              <a14:hiddenFill xmlns:a14="http://schemas.microsoft.com/office/drawing/2010/main">
+              <a14:hiddenFill xmlns:a14="http://schemas.microsoft.com/office/drawing/2010/main" xmlns="">
                 <a:solidFill>
                   <a:srgbClr val="FFFFFF"/>
                 </a:solidFill>
@@ -39280,7 +39075,7 @@
           </a:ln>
           <a:extLst>
             <a:ext uri="{909E8E84-426E-40DD-AFC4-6F175D3DCCD1}">
-              <a14:hiddenFill xmlns:a14="http://schemas.microsoft.com/office/drawing/2010/main">
+              <a14:hiddenFill xmlns:a14="http://schemas.microsoft.com/office/drawing/2010/main" xmlns="">
                 <a:solidFill>
                   <a:srgbClr val="FFFFFF"/>
                 </a:solidFill>
@@ -39373,14 +39168,14 @@
             </a:ln>
             <a:extLst>
               <a:ext uri="{909E8E84-426E-40DD-AFC4-6F175D3DCCD1}">
-                <a14:hiddenFill xmlns:a14="http://schemas.microsoft.com/office/drawing/2010/main">
+                <a14:hiddenFill xmlns:a14="http://schemas.microsoft.com/office/drawing/2010/main" xmlns="">
                   <a:solidFill>
                     <a:srgbClr val="FFFFFF"/>
                   </a:solidFill>
                 </a14:hiddenFill>
               </a:ext>
               <a:ext uri="{91240B29-F687-4F45-9708-019B960494DF}">
-                <a14:hiddenLine xmlns:a14="http://schemas.microsoft.com/office/drawing/2010/main" w="12700">
+                <a14:hiddenLine xmlns:a14="http://schemas.microsoft.com/office/drawing/2010/main" xmlns="" w="12700">
                   <a:solidFill>
                     <a:srgbClr val="000000"/>
                   </a:solidFill>
@@ -39422,19 +39217,19 @@
     </p:spTree>
     <p:extLst>
       <p:ext uri="{BB962C8B-B14F-4D97-AF65-F5344CB8AC3E}">
-        <p14:creationId xmlns:p14="http://schemas.microsoft.com/office/powerpoint/2010/main" val="3992131196"/>
+        <p14:creationId xmlns:p14="http://schemas.microsoft.com/office/powerpoint/2010/main" xmlns="" val="3992131196"/>
       </p:ext>
     </p:extLst>
   </p:cSld>
   <p:clrMapOvr>
     <a:masterClrMapping/>
   </p:clrMapOvr>
-  <mc:AlternateContent xmlns:mc="http://schemas.openxmlformats.org/markup-compatibility/2006" xmlns:p14="http://schemas.microsoft.com/office/powerpoint/2010/main">
-    <mc:Choice Requires="p14">
+  <mc:AlternateContent xmlns:mc="http://schemas.openxmlformats.org/markup-compatibility/2006">
+    <mc:Choice xmlns:p14="http://schemas.microsoft.com/office/powerpoint/2010/main" xmlns="" Requires="p14">
       <p:transition spd="slow" p14:dur="2000"/>
     </mc:Choice>
-    <mc:Fallback xmlns="">
-      <p:transition xmlns:p14="http://schemas.microsoft.com/office/powerpoint/2010/main" spd="slow"/>
+    <mc:Fallback>
+      <p:transition spd="slow"/>
     </mc:Fallback>
   </mc:AlternateContent>
   <p:timing>
@@ -39490,7 +39285,7 @@
     </p:spTree>
     <p:extLst>
       <p:ext uri="{BB962C8B-B14F-4D97-AF65-F5344CB8AC3E}">
-        <p14:creationId xmlns:p14="http://schemas.microsoft.com/office/powerpoint/2010/main" val="884497925"/>
+        <p14:creationId xmlns:p14="http://schemas.microsoft.com/office/powerpoint/2010/main" xmlns="" val="884497925"/>
       </p:ext>
     </p:extLst>
   </p:cSld>
@@ -39602,7 +39397,7 @@
     </p:spTree>
     <p:extLst>
       <p:ext uri="{BB962C8B-B14F-4D97-AF65-F5344CB8AC3E}">
-        <p14:creationId xmlns:p14="http://schemas.microsoft.com/office/powerpoint/2010/main" val="204316077"/>
+        <p14:creationId xmlns:p14="http://schemas.microsoft.com/office/powerpoint/2010/main" xmlns="" val="204316077"/>
       </p:ext>
     </p:extLst>
   </p:cSld>
